--- a/LCM using Problem Reduction/Least Common Multiple(LCM).pptx
+++ b/LCM using Problem Reduction/Least Common Multiple(LCM).pptx
@@ -9,10 +9,12 @@
     <p:sldId id="257" r:id="rId3"/>
     <p:sldId id="258" r:id="rId4"/>
     <p:sldId id="259" r:id="rId5"/>
-    <p:sldId id="260" r:id="rId6"/>
-    <p:sldId id="263" r:id="rId7"/>
-    <p:sldId id="264" r:id="rId8"/>
-    <p:sldId id="265" r:id="rId9"/>
+    <p:sldId id="266" r:id="rId6"/>
+    <p:sldId id="260" r:id="rId7"/>
+    <p:sldId id="267" r:id="rId8"/>
+    <p:sldId id="263" r:id="rId9"/>
+    <p:sldId id="264" r:id="rId10"/>
+    <p:sldId id="265" r:id="rId11"/>
   </p:sldIdLst>
   <p:sldSz cx="12192000" cy="6858000"/>
   <p:notesSz cx="6858000" cy="9144000"/>
@@ -393,7 +395,7 @@
           <a:p>
             <a:fld id="{57BDED09-2989-4A43-ABA8-1A03B6DC73AE}" type="datetimeFigureOut">
               <a:rPr lang="en-US" smtClean="0"/>
-              <a:t>12/22/2023</a:t>
+              <a:t>12/30/2023</a:t>
             </a:fld>
             <a:endParaRPr lang="en-US"/>
           </a:p>
@@ -807,7 +809,7 @@
           <a:p>
             <a:fld id="{57BDED09-2989-4A43-ABA8-1A03B6DC73AE}" type="datetimeFigureOut">
               <a:rPr lang="en-US" smtClean="0"/>
-              <a:t>12/22/2023</a:t>
+              <a:t>12/30/2023</a:t>
             </a:fld>
             <a:endParaRPr lang="en-US"/>
           </a:p>
@@ -1143,7 +1145,7 @@
           <a:p>
             <a:fld id="{57BDED09-2989-4A43-ABA8-1A03B6DC73AE}" type="datetimeFigureOut">
               <a:rPr lang="en-US" smtClean="0"/>
-              <a:t>12/22/2023</a:t>
+              <a:t>12/30/2023</a:t>
             </a:fld>
             <a:endParaRPr lang="en-US"/>
           </a:p>
@@ -1548,7 +1550,7 @@
           <a:p>
             <a:fld id="{57BDED09-2989-4A43-ABA8-1A03B6DC73AE}" type="datetimeFigureOut">
               <a:rPr lang="en-US" smtClean="0"/>
-              <a:t>12/22/2023</a:t>
+              <a:t>12/30/2023</a:t>
             </a:fld>
             <a:endParaRPr lang="en-US"/>
           </a:p>
@@ -2116,7 +2118,7 @@
           <a:p>
             <a:fld id="{57BDED09-2989-4A43-ABA8-1A03B6DC73AE}" type="datetimeFigureOut">
               <a:rPr lang="en-US" smtClean="0"/>
-              <a:t>12/22/2023</a:t>
+              <a:t>12/30/2023</a:t>
             </a:fld>
             <a:endParaRPr lang="en-US"/>
           </a:p>
@@ -2797,7 +2799,7 @@
           <a:p>
             <a:fld id="{57BDED09-2989-4A43-ABA8-1A03B6DC73AE}" type="datetimeFigureOut">
               <a:rPr lang="en-US" smtClean="0"/>
-              <a:t>12/22/2023</a:t>
+              <a:t>12/30/2023</a:t>
             </a:fld>
             <a:endParaRPr lang="en-US"/>
           </a:p>
@@ -3710,7 +3712,7 @@
           <a:p>
             <a:fld id="{57BDED09-2989-4A43-ABA8-1A03B6DC73AE}" type="datetimeFigureOut">
               <a:rPr lang="en-US" smtClean="0"/>
-              <a:t>12/22/2023</a:t>
+              <a:t>12/30/2023</a:t>
             </a:fld>
             <a:endParaRPr lang="en-US"/>
           </a:p>
@@ -4023,7 +4025,7 @@
           <a:p>
             <a:fld id="{57BDED09-2989-4A43-ABA8-1A03B6DC73AE}" type="datetimeFigureOut">
               <a:rPr lang="en-US" smtClean="0"/>
-              <a:t>12/22/2023</a:t>
+              <a:t>12/30/2023</a:t>
             </a:fld>
             <a:endParaRPr lang="en-US"/>
           </a:p>
@@ -4287,7 +4289,7 @@
           <a:p>
             <a:fld id="{57BDED09-2989-4A43-ABA8-1A03B6DC73AE}" type="datetimeFigureOut">
               <a:rPr lang="en-US" smtClean="0"/>
-              <a:t>12/22/2023</a:t>
+              <a:t>12/30/2023</a:t>
             </a:fld>
             <a:endParaRPr lang="en-US"/>
           </a:p>
@@ -4610,7 +4612,7 @@
           <a:p>
             <a:fld id="{57BDED09-2989-4A43-ABA8-1A03B6DC73AE}" type="datetimeFigureOut">
               <a:rPr lang="en-US" smtClean="0"/>
-              <a:t>12/22/2023</a:t>
+              <a:t>12/30/2023</a:t>
             </a:fld>
             <a:endParaRPr lang="en-US"/>
           </a:p>
@@ -4999,7 +5001,7 @@
           <a:p>
             <a:fld id="{57BDED09-2989-4A43-ABA8-1A03B6DC73AE}" type="datetimeFigureOut">
               <a:rPr lang="en-US" smtClean="0"/>
-              <a:t>12/22/2023</a:t>
+              <a:t>12/30/2023</a:t>
             </a:fld>
             <a:endParaRPr lang="en-US"/>
           </a:p>
@@ -5375,7 +5377,7 @@
           <a:p>
             <a:fld id="{57BDED09-2989-4A43-ABA8-1A03B6DC73AE}" type="datetimeFigureOut">
               <a:rPr lang="en-US" smtClean="0"/>
-              <a:t>12/22/2023</a:t>
+              <a:t>12/30/2023</a:t>
             </a:fld>
             <a:endParaRPr lang="en-US"/>
           </a:p>
@@ -5881,7 +5883,7 @@
           <a:p>
             <a:fld id="{57BDED09-2989-4A43-ABA8-1A03B6DC73AE}" type="datetimeFigureOut">
               <a:rPr lang="en-US" smtClean="0"/>
-              <a:t>12/22/2023</a:t>
+              <a:t>12/30/2023</a:t>
             </a:fld>
             <a:endParaRPr lang="en-US"/>
           </a:p>
@@ -6138,7 +6140,7 @@
           <a:p>
             <a:fld id="{57BDED09-2989-4A43-ABA8-1A03B6DC73AE}" type="datetimeFigureOut">
               <a:rPr lang="en-US" smtClean="0"/>
-              <a:t>12/22/2023</a:t>
+              <a:t>12/30/2023</a:t>
             </a:fld>
             <a:endParaRPr lang="en-US"/>
           </a:p>
@@ -6301,7 +6303,7 @@
           <a:p>
             <a:fld id="{57BDED09-2989-4A43-ABA8-1A03B6DC73AE}" type="datetimeFigureOut">
               <a:rPr lang="en-US" smtClean="0"/>
-              <a:t>12/22/2023</a:t>
+              <a:t>12/30/2023</a:t>
             </a:fld>
             <a:endParaRPr lang="en-US"/>
           </a:p>
@@ -6691,7 +6693,7 @@
           <a:p>
             <a:fld id="{57BDED09-2989-4A43-ABA8-1A03B6DC73AE}" type="datetimeFigureOut">
               <a:rPr lang="en-US" smtClean="0"/>
-              <a:t>12/22/2023</a:t>
+              <a:t>12/30/2023</a:t>
             </a:fld>
             <a:endParaRPr lang="en-US"/>
           </a:p>
@@ -7100,7 +7102,7 @@
           <a:p>
             <a:fld id="{57BDED09-2989-4A43-ABA8-1A03B6DC73AE}" type="datetimeFigureOut">
               <a:rPr lang="en-US" smtClean="0"/>
-              <a:t>12/22/2023</a:t>
+              <a:t>12/30/2023</a:t>
             </a:fld>
             <a:endParaRPr lang="en-US"/>
           </a:p>
@@ -7344,7 +7346,7 @@
           <a:p>
             <a:fld id="{57BDED09-2989-4A43-ABA8-1A03B6DC73AE}" type="datetimeFigureOut">
               <a:rPr lang="en-US" smtClean="0"/>
-              <a:t>12/22/2023</a:t>
+              <a:t>12/30/2023</a:t>
             </a:fld>
             <a:endParaRPr lang="en-US"/>
           </a:p>
@@ -7852,6 +7854,1102 @@
 </p:sld>
 </file>
 
+<file path=ppt/slides/slide10.xml><?xml version="1.0" encoding="utf-8"?>
+<p:sld xmlns:a="http://schemas.openxmlformats.org/drawingml/2006/main" xmlns:r="http://schemas.openxmlformats.org/officeDocument/2006/relationships" xmlns:p="http://schemas.openxmlformats.org/presentationml/2006/main">
+  <p:cSld>
+    <p:spTree>
+      <p:nvGrpSpPr>
+        <p:cNvPr id="1" name=""/>
+        <p:cNvGrpSpPr/>
+        <p:nvPr/>
+      </p:nvGrpSpPr>
+      <p:grpSpPr>
+        <a:xfrm>
+          <a:off x="0" y="0"/>
+          <a:ext cx="0" cy="0"/>
+          <a:chOff x="0" y="0"/>
+          <a:chExt cx="0" cy="0"/>
+        </a:xfrm>
+      </p:grpSpPr>
+      <mc:AlternateContent xmlns:mc="http://schemas.openxmlformats.org/markup-compatibility/2006">
+        <mc:Choice xmlns:a14="http://schemas.microsoft.com/office/drawing/2010/main" Requires="a14">
+          <p:sp>
+            <p:nvSpPr>
+              <p:cNvPr id="2" name="TextBox 1">
+                <a:extLst>
+                  <a:ext uri="{FF2B5EF4-FFF2-40B4-BE49-F238E27FC236}">
+                    <a16:creationId xmlns:a16="http://schemas.microsoft.com/office/drawing/2014/main" id="{CE198839-D09C-DE8E-B061-46CC4B2C259C}"/>
+                  </a:ext>
+                </a:extLst>
+              </p:cNvPr>
+              <p:cNvSpPr txBox="1"/>
+              <p:nvPr/>
+            </p:nvSpPr>
+            <p:spPr>
+              <a:xfrm>
+                <a:off x="0" y="86265"/>
+                <a:ext cx="10420709" cy="2278444"/>
+              </a:xfrm>
+              <a:prstGeom prst="rect">
+                <a:avLst/>
+              </a:prstGeom>
+              <a:noFill/>
+            </p:spPr>
+            <p:txBody>
+              <a:bodyPr wrap="square" rtlCol="0">
+                <a:spAutoFit/>
+              </a:bodyPr>
+              <a:lstStyle/>
+              <a:p>
+                <a:r>
+                  <a:rPr lang="en-US" dirty="0">
+                    <a:solidFill>
+                      <a:schemeClr val="bg1"/>
+                    </a:solidFill>
+                  </a:rPr>
+                  <a:t>My goal is to reach the base case and from here to reach it we do the following:</a:t>
+                </a:r>
+              </a:p>
+              <a:p>
+                <a:pPr/>
+                <a14:m>
+                  <m:oMathPara xmlns:m="http://schemas.openxmlformats.org/officeDocument/2006/math">
+                    <m:oMathParaPr>
+                      <m:jc m:val="centerGroup"/>
+                    </m:oMathParaPr>
+                    <m:oMath xmlns:m="http://schemas.openxmlformats.org/officeDocument/2006/math">
+                      <m:f>
+                        <m:fPr>
+                          <m:ctrlPr>
+                            <a:rPr lang="en-US" b="0" i="1" smtClean="0">
+                              <a:solidFill>
+                                <a:schemeClr val="bg1"/>
+                              </a:solidFill>
+                              <a:latin typeface="Cambria Math" panose="02040503050406030204" pitchFamily="18" charset="0"/>
+                            </a:rPr>
+                          </m:ctrlPr>
+                        </m:fPr>
+                        <m:num>
+                          <m:r>
+                            <a:rPr lang="en-US" b="0" i="1" smtClean="0">
+                              <a:solidFill>
+                                <a:schemeClr val="bg1"/>
+                              </a:solidFill>
+                              <a:latin typeface="Cambria Math" panose="02040503050406030204" pitchFamily="18" charset="0"/>
+                            </a:rPr>
+                            <m:t>𝑏</m:t>
+                          </m:r>
+                        </m:num>
+                        <m:den>
+                          <m:sSup>
+                            <m:sSupPr>
+                              <m:ctrlPr>
+                                <a:rPr lang="en-US" b="0" i="1" smtClean="0">
+                                  <a:solidFill>
+                                    <a:schemeClr val="bg1"/>
+                                  </a:solidFill>
+                                  <a:latin typeface="Cambria Math" panose="02040503050406030204" pitchFamily="18" charset="0"/>
+                                </a:rPr>
+                              </m:ctrlPr>
+                            </m:sSupPr>
+                            <m:e>
+                              <m:r>
+                                <a:rPr lang="en-US" b="0" i="1" smtClean="0">
+                                  <a:solidFill>
+                                    <a:schemeClr val="bg1"/>
+                                  </a:solidFill>
+                                  <a:latin typeface="Cambria Math" panose="02040503050406030204" pitchFamily="18" charset="0"/>
+                                </a:rPr>
+                                <m:t>2</m:t>
+                              </m:r>
+                            </m:e>
+                            <m:sup>
+                              <m:r>
+                                <a:rPr lang="en-US" b="0" i="1" smtClean="0">
+                                  <a:solidFill>
+                                    <a:schemeClr val="bg1"/>
+                                  </a:solidFill>
+                                  <a:latin typeface="Cambria Math" panose="02040503050406030204" pitchFamily="18" charset="0"/>
+                                </a:rPr>
+                                <m:t>𝑘</m:t>
+                              </m:r>
+                            </m:sup>
+                          </m:sSup>
+                        </m:den>
+                      </m:f>
+                      <m:r>
+                        <a:rPr lang="en-US" b="0" i="1" smtClean="0">
+                          <a:solidFill>
+                            <a:schemeClr val="bg1"/>
+                          </a:solidFill>
+                          <a:latin typeface="Cambria Math" panose="02040503050406030204" pitchFamily="18" charset="0"/>
+                        </a:rPr>
+                        <m:t>=1⇒</m:t>
+                      </m:r>
+                      <m:r>
+                        <a:rPr lang="en-US" b="0" i="1" smtClean="0">
+                          <a:solidFill>
+                            <a:schemeClr val="bg1"/>
+                          </a:solidFill>
+                          <a:latin typeface="Cambria Math" panose="02040503050406030204" pitchFamily="18" charset="0"/>
+                        </a:rPr>
+                        <m:t>𝑘</m:t>
+                      </m:r>
+                      <m:r>
+                        <a:rPr lang="en-US" b="0" i="1" smtClean="0">
+                          <a:solidFill>
+                            <a:schemeClr val="bg1"/>
+                          </a:solidFill>
+                          <a:latin typeface="Cambria Math" panose="02040503050406030204" pitchFamily="18" charset="0"/>
+                        </a:rPr>
+                        <m:t>=</m:t>
+                      </m:r>
+                      <m:r>
+                        <m:rPr>
+                          <m:sty m:val="p"/>
+                        </m:rPr>
+                        <a:rPr lang="en-US" b="0" i="0" smtClean="0">
+                          <a:solidFill>
+                            <a:schemeClr val="bg1"/>
+                          </a:solidFill>
+                          <a:latin typeface="Cambria Math" panose="02040503050406030204" pitchFamily="18" charset="0"/>
+                        </a:rPr>
+                        <m:t>log</m:t>
+                      </m:r>
+                      <m:r>
+                        <a:rPr lang="en-US" b="0" i="1" smtClean="0">
+                          <a:solidFill>
+                            <a:schemeClr val="bg1"/>
+                          </a:solidFill>
+                          <a:latin typeface="Cambria Math" panose="02040503050406030204" pitchFamily="18" charset="0"/>
+                        </a:rPr>
+                        <m:t>⁡(</m:t>
+                      </m:r>
+                      <m:r>
+                        <a:rPr lang="en-US" b="0" i="1" smtClean="0">
+                          <a:solidFill>
+                            <a:schemeClr val="bg1"/>
+                          </a:solidFill>
+                          <a:latin typeface="Cambria Math" panose="02040503050406030204" pitchFamily="18" charset="0"/>
+                        </a:rPr>
+                        <m:t>𝑏</m:t>
+                      </m:r>
+                      <m:r>
+                        <a:rPr lang="en-US" b="0" i="1" smtClean="0">
+                          <a:solidFill>
+                            <a:schemeClr val="bg1"/>
+                          </a:solidFill>
+                          <a:latin typeface="Cambria Math" panose="02040503050406030204" pitchFamily="18" charset="0"/>
+                        </a:rPr>
+                        <m:t>)</m:t>
+                      </m:r>
+                    </m:oMath>
+                  </m:oMathPara>
+                </a14:m>
+                <a:endParaRPr lang="en-US" b="0" dirty="0">
+                  <a:solidFill>
+                    <a:schemeClr val="bg1"/>
+                  </a:solidFill>
+                </a:endParaRPr>
+              </a:p>
+              <a:p>
+                <a:r>
+                  <a:rPr lang="en-US" dirty="0">
+                    <a:solidFill>
+                      <a:schemeClr val="bg1"/>
+                    </a:solidFill>
+                  </a:rPr>
+                  <a:t>We know from the base case that </a:t>
+                </a:r>
+                <a14:m>
+                  <m:oMath xmlns:m="http://schemas.openxmlformats.org/officeDocument/2006/math">
+                    <m:r>
+                      <a:rPr lang="en-US" b="0" i="1" smtClean="0">
+                        <a:solidFill>
+                          <a:schemeClr val="bg1"/>
+                        </a:solidFill>
+                        <a:latin typeface="Cambria Math" panose="02040503050406030204" pitchFamily="18" charset="0"/>
+                      </a:rPr>
+                      <m:t>𝑇</m:t>
+                    </m:r>
+                    <m:d>
+                      <m:dPr>
+                        <m:ctrlPr>
+                          <a:rPr lang="en-US" b="0" i="1" smtClean="0">
+                            <a:solidFill>
+                              <a:schemeClr val="bg1"/>
+                            </a:solidFill>
+                            <a:latin typeface="Cambria Math" panose="02040503050406030204" pitchFamily="18" charset="0"/>
+                          </a:rPr>
+                        </m:ctrlPr>
+                      </m:dPr>
+                      <m:e>
+                        <m:r>
+                          <a:rPr lang="en-US" b="0" i="1" smtClean="0">
+                            <a:solidFill>
+                              <a:schemeClr val="bg1"/>
+                            </a:solidFill>
+                            <a:latin typeface="Cambria Math" panose="02040503050406030204" pitchFamily="18" charset="0"/>
+                          </a:rPr>
+                          <m:t>𝑎</m:t>
+                        </m:r>
+                        <m:r>
+                          <a:rPr lang="en-US" b="0" i="1" smtClean="0">
+                            <a:solidFill>
+                              <a:schemeClr val="bg1"/>
+                            </a:solidFill>
+                            <a:latin typeface="Cambria Math" panose="02040503050406030204" pitchFamily="18" charset="0"/>
+                          </a:rPr>
+                          <m:t>,1</m:t>
+                        </m:r>
+                      </m:e>
+                    </m:d>
+                    <m:r>
+                      <a:rPr lang="en-US" b="0" i="1" smtClean="0">
+                        <a:solidFill>
+                          <a:schemeClr val="bg1"/>
+                        </a:solidFill>
+                        <a:latin typeface="Cambria Math" panose="02040503050406030204" pitchFamily="18" charset="0"/>
+                      </a:rPr>
+                      <m:t>=1  </m:t>
+                    </m:r>
+                  </m:oMath>
+                </a14:m>
+                <a:r>
+                  <a:rPr lang="en-US" b="0" i="1" dirty="0">
+                    <a:solidFill>
+                      <a:schemeClr val="bg1"/>
+                    </a:solidFill>
+                    <a:latin typeface="Cambria Math" panose="02040503050406030204" pitchFamily="18" charset="0"/>
+                  </a:rPr>
+                  <a:t>so from there we can deduce </a:t>
+                </a:r>
+                <a:r>
+                  <a:rPr lang="en-US" b="0" dirty="0">
+                    <a:solidFill>
+                      <a:schemeClr val="bg1"/>
+                    </a:solidFill>
+                    <a:latin typeface="Cambria Math" panose="02040503050406030204" pitchFamily="18" charset="0"/>
+                  </a:rPr>
+                  <a:t>:</a:t>
+                </a:r>
+                <a:endParaRPr lang="en-US" b="0" i="1" dirty="0">
+                  <a:solidFill>
+                    <a:schemeClr val="bg1"/>
+                  </a:solidFill>
+                  <a:latin typeface="Cambria Math" panose="02040503050406030204" pitchFamily="18" charset="0"/>
+                </a:endParaRPr>
+              </a:p>
+              <a:p>
+                <a:endParaRPr lang="en-US" b="0" dirty="0">
+                  <a:solidFill>
+                    <a:schemeClr val="bg1"/>
+                  </a:solidFill>
+                  <a:latin typeface="Cambria Math" panose="02040503050406030204" pitchFamily="18" charset="0"/>
+                </a:endParaRPr>
+              </a:p>
+              <a:p>
+                <a:pPr/>
+                <a14:m>
+                  <m:oMathPara xmlns:m="http://schemas.openxmlformats.org/officeDocument/2006/math">
+                    <m:oMathParaPr>
+                      <m:jc m:val="centerGroup"/>
+                    </m:oMathParaPr>
+                    <m:oMath xmlns:m="http://schemas.openxmlformats.org/officeDocument/2006/math">
+                      <m:r>
+                        <a:rPr lang="en-US" b="0" i="1" smtClean="0">
+                          <a:solidFill>
+                            <a:schemeClr val="bg1"/>
+                          </a:solidFill>
+                          <a:latin typeface="Cambria Math" panose="02040503050406030204" pitchFamily="18" charset="0"/>
+                        </a:rPr>
+                        <m:t>≤1+2∗</m:t>
+                      </m:r>
+                      <m:func>
+                        <m:funcPr>
+                          <m:ctrlPr>
+                            <a:rPr lang="en-US" b="0" i="1" smtClean="0">
+                              <a:solidFill>
+                                <a:schemeClr val="bg1"/>
+                              </a:solidFill>
+                              <a:latin typeface="Cambria Math" panose="02040503050406030204" pitchFamily="18" charset="0"/>
+                            </a:rPr>
+                          </m:ctrlPr>
+                        </m:funcPr>
+                        <m:fName>
+                          <m:r>
+                            <m:rPr>
+                              <m:sty m:val="p"/>
+                            </m:rPr>
+                            <a:rPr lang="en-US" b="0" i="0" smtClean="0">
+                              <a:solidFill>
+                                <a:schemeClr val="bg1"/>
+                              </a:solidFill>
+                              <a:latin typeface="Cambria Math" panose="02040503050406030204" pitchFamily="18" charset="0"/>
+                            </a:rPr>
+                            <m:t>log</m:t>
+                          </m:r>
+                        </m:fName>
+                        <m:e>
+                          <m:r>
+                            <a:rPr lang="en-US" b="0" i="1" smtClean="0">
+                              <a:solidFill>
+                                <a:schemeClr val="bg1"/>
+                              </a:solidFill>
+                              <a:latin typeface="Cambria Math" panose="02040503050406030204" pitchFamily="18" charset="0"/>
+                            </a:rPr>
+                            <m:t>𝑏</m:t>
+                          </m:r>
+                        </m:e>
+                      </m:func>
+                    </m:oMath>
+                  </m:oMathPara>
+                </a14:m>
+                <a:endParaRPr lang="en-US" b="0" dirty="0">
+                  <a:solidFill>
+                    <a:schemeClr val="bg1"/>
+                  </a:solidFill>
+                  <a:latin typeface="Cambria Math" panose="02040503050406030204" pitchFamily="18" charset="0"/>
+                </a:endParaRPr>
+              </a:p>
+              <a:p>
+                <a:pPr/>
+                <a14:m>
+                  <m:oMathPara xmlns:m="http://schemas.openxmlformats.org/officeDocument/2006/math">
+                    <m:oMathParaPr>
+                      <m:jc m:val="centerGroup"/>
+                    </m:oMathParaPr>
+                    <m:oMath xmlns:m="http://schemas.openxmlformats.org/officeDocument/2006/math">
+                      <m:r>
+                        <a:rPr lang="en-US" b="0" i="1" smtClean="0">
+                          <a:solidFill>
+                            <a:schemeClr val="bg1"/>
+                          </a:solidFill>
+                          <a:latin typeface="Cambria Math" panose="02040503050406030204" pitchFamily="18" charset="0"/>
+                        </a:rPr>
+                        <m:t>∈</m:t>
+                      </m:r>
+                      <m:r>
+                        <a:rPr lang="en-US" b="0" i="1" smtClean="0">
+                          <a:solidFill>
+                            <a:schemeClr val="bg1"/>
+                          </a:solidFill>
+                          <a:latin typeface="Cambria Math" panose="02040503050406030204" pitchFamily="18" charset="0"/>
+                        </a:rPr>
+                        <m:t>𝑂</m:t>
+                      </m:r>
+                      <m:r>
+                        <a:rPr lang="en-US" b="0" i="1" smtClean="0">
+                          <a:solidFill>
+                            <a:schemeClr val="bg1"/>
+                          </a:solidFill>
+                          <a:latin typeface="Cambria Math" panose="02040503050406030204" pitchFamily="18" charset="0"/>
+                        </a:rPr>
+                        <m:t>(</m:t>
+                      </m:r>
+                      <m:func>
+                        <m:funcPr>
+                          <m:ctrlPr>
+                            <a:rPr lang="en-US" b="0" i="1" smtClean="0">
+                              <a:solidFill>
+                                <a:schemeClr val="bg1"/>
+                              </a:solidFill>
+                              <a:latin typeface="Cambria Math" panose="02040503050406030204" pitchFamily="18" charset="0"/>
+                            </a:rPr>
+                          </m:ctrlPr>
+                        </m:funcPr>
+                        <m:fName>
+                          <m:r>
+                            <m:rPr>
+                              <m:sty m:val="p"/>
+                            </m:rPr>
+                            <a:rPr lang="en-US" b="0" i="0" smtClean="0">
+                              <a:solidFill>
+                                <a:schemeClr val="bg1"/>
+                              </a:solidFill>
+                              <a:latin typeface="Cambria Math" panose="02040503050406030204" pitchFamily="18" charset="0"/>
+                            </a:rPr>
+                            <m:t>log</m:t>
+                          </m:r>
+                        </m:fName>
+                        <m:e>
+                          <m:r>
+                            <a:rPr lang="en-US" b="0" i="1" smtClean="0">
+                              <a:solidFill>
+                                <a:schemeClr val="bg1"/>
+                              </a:solidFill>
+                              <a:latin typeface="Cambria Math" panose="02040503050406030204" pitchFamily="18" charset="0"/>
+                            </a:rPr>
+                            <m:t>𝑏</m:t>
+                          </m:r>
+                          <m:r>
+                            <a:rPr lang="en-US" b="0" i="1" smtClean="0">
+                              <a:solidFill>
+                                <a:schemeClr val="bg1"/>
+                              </a:solidFill>
+                              <a:latin typeface="Cambria Math" panose="02040503050406030204" pitchFamily="18" charset="0"/>
+                            </a:rPr>
+                            <m:t>)</m:t>
+                          </m:r>
+                        </m:e>
+                      </m:func>
+                    </m:oMath>
+                  </m:oMathPara>
+                </a14:m>
+                <a:endParaRPr lang="en-US" b="0" dirty="0">
+                  <a:latin typeface="Cambria Math" panose="02040503050406030204" pitchFamily="18" charset="0"/>
+                </a:endParaRPr>
+              </a:p>
+              <a:p>
+                <a14:m>
+                  <m:oMath xmlns:m="http://schemas.openxmlformats.org/officeDocument/2006/math">
+                    <m:r>
+                      <a:rPr lang="en-US" b="0" i="1" smtClean="0">
+                        <a:latin typeface="Cambria Math" panose="02040503050406030204" pitchFamily="18" charset="0"/>
+                      </a:rPr>
+                      <m:t> </m:t>
+                    </m:r>
+                  </m:oMath>
+                </a14:m>
+                <a:r>
+                  <a:rPr lang="en-US" dirty="0"/>
+                  <a:t> </a:t>
+                </a:r>
+              </a:p>
+            </p:txBody>
+          </p:sp>
+        </mc:Choice>
+        <mc:Fallback>
+          <p:sp>
+            <p:nvSpPr>
+              <p:cNvPr id="2" name="TextBox 1">
+                <a:extLst>
+                  <a:ext uri="{FF2B5EF4-FFF2-40B4-BE49-F238E27FC236}">
+                    <a16:creationId xmlns:a16="http://schemas.microsoft.com/office/drawing/2014/main" id="{CE198839-D09C-DE8E-B061-46CC4B2C259C}"/>
+                  </a:ext>
+                </a:extLst>
+              </p:cNvPr>
+              <p:cNvSpPr txBox="1">
+                <a:spLocks noRot="1" noChangeAspect="1" noMove="1" noResize="1" noEditPoints="1" noAdjustHandles="1" noChangeArrowheads="1" noChangeShapeType="1" noTextEdit="1"/>
+              </p:cNvSpPr>
+              <p:nvPr/>
+            </p:nvSpPr>
+            <p:spPr>
+              <a:xfrm>
+                <a:off x="0" y="86265"/>
+                <a:ext cx="10420709" cy="2278444"/>
+              </a:xfrm>
+              <a:prstGeom prst="rect">
+                <a:avLst/>
+              </a:prstGeom>
+              <a:blipFill>
+                <a:blip r:embed="rId2"/>
+                <a:stretch>
+                  <a:fillRect l="-468" t="-1604"/>
+                </a:stretch>
+              </a:blipFill>
+            </p:spPr>
+            <p:txBody>
+              <a:bodyPr/>
+              <a:lstStyle/>
+              <a:p>
+                <a:r>
+                  <a:rPr lang="en-US">
+                    <a:noFill/>
+                  </a:rPr>
+                  <a:t> </a:t>
+                </a:r>
+              </a:p>
+            </p:txBody>
+          </p:sp>
+        </mc:Fallback>
+      </mc:AlternateContent>
+    </p:spTree>
+    <p:extLst>
+      <p:ext uri="{BB962C8B-B14F-4D97-AF65-F5344CB8AC3E}">
+        <p14:creationId xmlns:p14="http://schemas.microsoft.com/office/powerpoint/2010/main" val="496193254"/>
+      </p:ext>
+    </p:extLst>
+  </p:cSld>
+  <p:clrMapOvr>
+    <a:masterClrMapping/>
+  </p:clrMapOvr>
+  <mc:AlternateContent xmlns:mc="http://schemas.openxmlformats.org/markup-compatibility/2006" xmlns:p14="http://schemas.microsoft.com/office/powerpoint/2010/main">
+    <mc:Choice Requires="p14">
+      <p:transition spd="slow" p14:dur="1500">
+        <p:split orient="vert"/>
+      </p:transition>
+    </mc:Choice>
+    <mc:Fallback xmlns="">
+      <p:transition spd="slow">
+        <p:split orient="vert"/>
+      </p:transition>
+    </mc:Fallback>
+  </mc:AlternateContent>
+  <p:timing>
+    <p:tnLst>
+      <p:par>
+        <p:cTn id="1" dur="indefinite" restart="never" nodeType="tmRoot">
+          <p:childTnLst>
+            <p:seq concurrent="1" nextAc="seek">
+              <p:cTn id="2" dur="indefinite" nodeType="mainSeq">
+                <p:childTnLst>
+                  <p:par>
+                    <p:cTn id="3" fill="hold">
+                      <p:stCondLst>
+                        <p:cond delay="indefinite"/>
+                        <p:cond evt="onBegin" delay="0">
+                          <p:tn val="2"/>
+                        </p:cond>
+                      </p:stCondLst>
+                      <p:childTnLst>
+                        <p:par>
+                          <p:cTn id="4" fill="hold">
+                            <p:stCondLst>
+                              <p:cond delay="0"/>
+                            </p:stCondLst>
+                            <p:childTnLst>
+                              <p:par>
+                                <p:cTn id="5" presetID="2" presetClass="entr" presetSubtype="4" fill="hold" nodeType="withEffect">
+                                  <p:stCondLst>
+                                    <p:cond delay="0"/>
+                                  </p:stCondLst>
+                                  <p:childTnLst>
+                                    <p:set>
+                                      <p:cBhvr>
+                                        <p:cTn id="6" dur="1" fill="hold">
+                                          <p:stCondLst>
+                                            <p:cond delay="0"/>
+                                          </p:stCondLst>
+                                        </p:cTn>
+                                        <p:tgtEl>
+                                          <p:spTgt spid="2">
+                                            <p:txEl>
+                                              <p:pRg st="0" end="0"/>
+                                            </p:txEl>
+                                          </p:spTgt>
+                                        </p:tgtEl>
+                                        <p:attrNameLst>
+                                          <p:attrName>style.visibility</p:attrName>
+                                        </p:attrNameLst>
+                                      </p:cBhvr>
+                                      <p:to>
+                                        <p:strVal val="visible"/>
+                                      </p:to>
+                                    </p:set>
+                                    <p:anim calcmode="lin" valueType="num">
+                                      <p:cBhvr additive="base">
+                                        <p:cTn id="7" dur="500" fill="hold"/>
+                                        <p:tgtEl>
+                                          <p:spTgt spid="2">
+                                            <p:txEl>
+                                              <p:pRg st="0" end="0"/>
+                                            </p:txEl>
+                                          </p:spTgt>
+                                        </p:tgtEl>
+                                        <p:attrNameLst>
+                                          <p:attrName>ppt_x</p:attrName>
+                                        </p:attrNameLst>
+                                      </p:cBhvr>
+                                      <p:tavLst>
+                                        <p:tav tm="0">
+                                          <p:val>
+                                            <p:strVal val="#ppt_x"/>
+                                          </p:val>
+                                        </p:tav>
+                                        <p:tav tm="100000">
+                                          <p:val>
+                                            <p:strVal val="#ppt_x"/>
+                                          </p:val>
+                                        </p:tav>
+                                      </p:tavLst>
+                                    </p:anim>
+                                    <p:anim calcmode="lin" valueType="num">
+                                      <p:cBhvr additive="base">
+                                        <p:cTn id="8" dur="500" fill="hold"/>
+                                        <p:tgtEl>
+                                          <p:spTgt spid="2">
+                                            <p:txEl>
+                                              <p:pRg st="0" end="0"/>
+                                            </p:txEl>
+                                          </p:spTgt>
+                                        </p:tgtEl>
+                                        <p:attrNameLst>
+                                          <p:attrName>ppt_y</p:attrName>
+                                        </p:attrNameLst>
+                                      </p:cBhvr>
+                                      <p:tavLst>
+                                        <p:tav tm="0">
+                                          <p:val>
+                                            <p:strVal val="1+#ppt_h/2"/>
+                                          </p:val>
+                                        </p:tav>
+                                        <p:tav tm="100000">
+                                          <p:val>
+                                            <p:strVal val="#ppt_y"/>
+                                          </p:val>
+                                        </p:tav>
+                                      </p:tavLst>
+                                    </p:anim>
+                                  </p:childTnLst>
+                                </p:cTn>
+                              </p:par>
+                              <p:par>
+                                <p:cTn id="9" presetID="2" presetClass="entr" presetSubtype="4" fill="hold" nodeType="withEffect">
+                                  <p:stCondLst>
+                                    <p:cond delay="0"/>
+                                  </p:stCondLst>
+                                  <p:childTnLst>
+                                    <p:set>
+                                      <p:cBhvr>
+                                        <p:cTn id="10" dur="1" fill="hold">
+                                          <p:stCondLst>
+                                            <p:cond delay="0"/>
+                                          </p:stCondLst>
+                                        </p:cTn>
+                                        <p:tgtEl>
+                                          <p:spTgt spid="2">
+                                            <p:txEl>
+                                              <p:pRg st="1" end="1"/>
+                                            </p:txEl>
+                                          </p:spTgt>
+                                        </p:tgtEl>
+                                        <p:attrNameLst>
+                                          <p:attrName>style.visibility</p:attrName>
+                                        </p:attrNameLst>
+                                      </p:cBhvr>
+                                      <p:to>
+                                        <p:strVal val="visible"/>
+                                      </p:to>
+                                    </p:set>
+                                    <p:anim calcmode="lin" valueType="num">
+                                      <p:cBhvr additive="base">
+                                        <p:cTn id="11" dur="500" fill="hold"/>
+                                        <p:tgtEl>
+                                          <p:spTgt spid="2">
+                                            <p:txEl>
+                                              <p:pRg st="1" end="1"/>
+                                            </p:txEl>
+                                          </p:spTgt>
+                                        </p:tgtEl>
+                                        <p:attrNameLst>
+                                          <p:attrName>ppt_x</p:attrName>
+                                        </p:attrNameLst>
+                                      </p:cBhvr>
+                                      <p:tavLst>
+                                        <p:tav tm="0">
+                                          <p:val>
+                                            <p:strVal val="#ppt_x"/>
+                                          </p:val>
+                                        </p:tav>
+                                        <p:tav tm="100000">
+                                          <p:val>
+                                            <p:strVal val="#ppt_x"/>
+                                          </p:val>
+                                        </p:tav>
+                                      </p:tavLst>
+                                    </p:anim>
+                                    <p:anim calcmode="lin" valueType="num">
+                                      <p:cBhvr additive="base">
+                                        <p:cTn id="12" dur="500" fill="hold"/>
+                                        <p:tgtEl>
+                                          <p:spTgt spid="2">
+                                            <p:txEl>
+                                              <p:pRg st="1" end="1"/>
+                                            </p:txEl>
+                                          </p:spTgt>
+                                        </p:tgtEl>
+                                        <p:attrNameLst>
+                                          <p:attrName>ppt_y</p:attrName>
+                                        </p:attrNameLst>
+                                      </p:cBhvr>
+                                      <p:tavLst>
+                                        <p:tav tm="0">
+                                          <p:val>
+                                            <p:strVal val="1+#ppt_h/2"/>
+                                          </p:val>
+                                        </p:tav>
+                                        <p:tav tm="100000">
+                                          <p:val>
+                                            <p:strVal val="#ppt_y"/>
+                                          </p:val>
+                                        </p:tav>
+                                      </p:tavLst>
+                                    </p:anim>
+                                  </p:childTnLst>
+                                </p:cTn>
+                              </p:par>
+                              <p:par>
+                                <p:cTn id="13" presetID="2" presetClass="entr" presetSubtype="4" fill="hold" nodeType="withEffect">
+                                  <p:stCondLst>
+                                    <p:cond delay="0"/>
+                                  </p:stCondLst>
+                                  <p:childTnLst>
+                                    <p:set>
+                                      <p:cBhvr>
+                                        <p:cTn id="14" dur="1" fill="hold">
+                                          <p:stCondLst>
+                                            <p:cond delay="0"/>
+                                          </p:stCondLst>
+                                        </p:cTn>
+                                        <p:tgtEl>
+                                          <p:spTgt spid="2">
+                                            <p:txEl>
+                                              <p:pRg st="2" end="2"/>
+                                            </p:txEl>
+                                          </p:spTgt>
+                                        </p:tgtEl>
+                                        <p:attrNameLst>
+                                          <p:attrName>style.visibility</p:attrName>
+                                        </p:attrNameLst>
+                                      </p:cBhvr>
+                                      <p:to>
+                                        <p:strVal val="visible"/>
+                                      </p:to>
+                                    </p:set>
+                                    <p:anim calcmode="lin" valueType="num">
+                                      <p:cBhvr additive="base">
+                                        <p:cTn id="15" dur="500" fill="hold"/>
+                                        <p:tgtEl>
+                                          <p:spTgt spid="2">
+                                            <p:txEl>
+                                              <p:pRg st="2" end="2"/>
+                                            </p:txEl>
+                                          </p:spTgt>
+                                        </p:tgtEl>
+                                        <p:attrNameLst>
+                                          <p:attrName>ppt_x</p:attrName>
+                                        </p:attrNameLst>
+                                      </p:cBhvr>
+                                      <p:tavLst>
+                                        <p:tav tm="0">
+                                          <p:val>
+                                            <p:strVal val="#ppt_x"/>
+                                          </p:val>
+                                        </p:tav>
+                                        <p:tav tm="100000">
+                                          <p:val>
+                                            <p:strVal val="#ppt_x"/>
+                                          </p:val>
+                                        </p:tav>
+                                      </p:tavLst>
+                                    </p:anim>
+                                    <p:anim calcmode="lin" valueType="num">
+                                      <p:cBhvr additive="base">
+                                        <p:cTn id="16" dur="500" fill="hold"/>
+                                        <p:tgtEl>
+                                          <p:spTgt spid="2">
+                                            <p:txEl>
+                                              <p:pRg st="2" end="2"/>
+                                            </p:txEl>
+                                          </p:spTgt>
+                                        </p:tgtEl>
+                                        <p:attrNameLst>
+                                          <p:attrName>ppt_y</p:attrName>
+                                        </p:attrNameLst>
+                                      </p:cBhvr>
+                                      <p:tavLst>
+                                        <p:tav tm="0">
+                                          <p:val>
+                                            <p:strVal val="1+#ppt_h/2"/>
+                                          </p:val>
+                                        </p:tav>
+                                        <p:tav tm="100000">
+                                          <p:val>
+                                            <p:strVal val="#ppt_y"/>
+                                          </p:val>
+                                        </p:tav>
+                                      </p:tavLst>
+                                    </p:anim>
+                                  </p:childTnLst>
+                                </p:cTn>
+                              </p:par>
+                              <p:par>
+                                <p:cTn id="17" presetID="2" presetClass="entr" presetSubtype="4" fill="hold" nodeType="withEffect">
+                                  <p:stCondLst>
+                                    <p:cond delay="0"/>
+                                  </p:stCondLst>
+                                  <p:childTnLst>
+                                    <p:set>
+                                      <p:cBhvr>
+                                        <p:cTn id="18" dur="1" fill="hold">
+                                          <p:stCondLst>
+                                            <p:cond delay="0"/>
+                                          </p:stCondLst>
+                                        </p:cTn>
+                                        <p:tgtEl>
+                                          <p:spTgt spid="2">
+                                            <p:txEl>
+                                              <p:pRg st="4" end="4"/>
+                                            </p:txEl>
+                                          </p:spTgt>
+                                        </p:tgtEl>
+                                        <p:attrNameLst>
+                                          <p:attrName>style.visibility</p:attrName>
+                                        </p:attrNameLst>
+                                      </p:cBhvr>
+                                      <p:to>
+                                        <p:strVal val="visible"/>
+                                      </p:to>
+                                    </p:set>
+                                    <p:anim calcmode="lin" valueType="num">
+                                      <p:cBhvr additive="base">
+                                        <p:cTn id="19" dur="500" fill="hold"/>
+                                        <p:tgtEl>
+                                          <p:spTgt spid="2">
+                                            <p:txEl>
+                                              <p:pRg st="4" end="4"/>
+                                            </p:txEl>
+                                          </p:spTgt>
+                                        </p:tgtEl>
+                                        <p:attrNameLst>
+                                          <p:attrName>ppt_x</p:attrName>
+                                        </p:attrNameLst>
+                                      </p:cBhvr>
+                                      <p:tavLst>
+                                        <p:tav tm="0">
+                                          <p:val>
+                                            <p:strVal val="#ppt_x"/>
+                                          </p:val>
+                                        </p:tav>
+                                        <p:tav tm="100000">
+                                          <p:val>
+                                            <p:strVal val="#ppt_x"/>
+                                          </p:val>
+                                        </p:tav>
+                                      </p:tavLst>
+                                    </p:anim>
+                                    <p:anim calcmode="lin" valueType="num">
+                                      <p:cBhvr additive="base">
+                                        <p:cTn id="20" dur="500" fill="hold"/>
+                                        <p:tgtEl>
+                                          <p:spTgt spid="2">
+                                            <p:txEl>
+                                              <p:pRg st="4" end="4"/>
+                                            </p:txEl>
+                                          </p:spTgt>
+                                        </p:tgtEl>
+                                        <p:attrNameLst>
+                                          <p:attrName>ppt_y</p:attrName>
+                                        </p:attrNameLst>
+                                      </p:cBhvr>
+                                      <p:tavLst>
+                                        <p:tav tm="0">
+                                          <p:val>
+                                            <p:strVal val="1+#ppt_h/2"/>
+                                          </p:val>
+                                        </p:tav>
+                                        <p:tav tm="100000">
+                                          <p:val>
+                                            <p:strVal val="#ppt_y"/>
+                                          </p:val>
+                                        </p:tav>
+                                      </p:tavLst>
+                                    </p:anim>
+                                  </p:childTnLst>
+                                </p:cTn>
+                              </p:par>
+                              <p:par>
+                                <p:cTn id="21" presetID="2" presetClass="entr" presetSubtype="4" fill="hold" nodeType="withEffect">
+                                  <p:stCondLst>
+                                    <p:cond delay="0"/>
+                                  </p:stCondLst>
+                                  <p:childTnLst>
+                                    <p:set>
+                                      <p:cBhvr>
+                                        <p:cTn id="22" dur="1" fill="hold">
+                                          <p:stCondLst>
+                                            <p:cond delay="0"/>
+                                          </p:stCondLst>
+                                        </p:cTn>
+                                        <p:tgtEl>
+                                          <p:spTgt spid="2">
+                                            <p:txEl>
+                                              <p:pRg st="5" end="5"/>
+                                            </p:txEl>
+                                          </p:spTgt>
+                                        </p:tgtEl>
+                                        <p:attrNameLst>
+                                          <p:attrName>style.visibility</p:attrName>
+                                        </p:attrNameLst>
+                                      </p:cBhvr>
+                                      <p:to>
+                                        <p:strVal val="visible"/>
+                                      </p:to>
+                                    </p:set>
+                                    <p:anim calcmode="lin" valueType="num">
+                                      <p:cBhvr additive="base">
+                                        <p:cTn id="23" dur="500" fill="hold"/>
+                                        <p:tgtEl>
+                                          <p:spTgt spid="2">
+                                            <p:txEl>
+                                              <p:pRg st="5" end="5"/>
+                                            </p:txEl>
+                                          </p:spTgt>
+                                        </p:tgtEl>
+                                        <p:attrNameLst>
+                                          <p:attrName>ppt_x</p:attrName>
+                                        </p:attrNameLst>
+                                      </p:cBhvr>
+                                      <p:tavLst>
+                                        <p:tav tm="0">
+                                          <p:val>
+                                            <p:strVal val="#ppt_x"/>
+                                          </p:val>
+                                        </p:tav>
+                                        <p:tav tm="100000">
+                                          <p:val>
+                                            <p:strVal val="#ppt_x"/>
+                                          </p:val>
+                                        </p:tav>
+                                      </p:tavLst>
+                                    </p:anim>
+                                    <p:anim calcmode="lin" valueType="num">
+                                      <p:cBhvr additive="base">
+                                        <p:cTn id="24" dur="500" fill="hold"/>
+                                        <p:tgtEl>
+                                          <p:spTgt spid="2">
+                                            <p:txEl>
+                                              <p:pRg st="5" end="5"/>
+                                            </p:txEl>
+                                          </p:spTgt>
+                                        </p:tgtEl>
+                                        <p:attrNameLst>
+                                          <p:attrName>ppt_y</p:attrName>
+                                        </p:attrNameLst>
+                                      </p:cBhvr>
+                                      <p:tavLst>
+                                        <p:tav tm="0">
+                                          <p:val>
+                                            <p:strVal val="1+#ppt_h/2"/>
+                                          </p:val>
+                                        </p:tav>
+                                        <p:tav tm="100000">
+                                          <p:val>
+                                            <p:strVal val="#ppt_y"/>
+                                          </p:val>
+                                        </p:tav>
+                                      </p:tavLst>
+                                    </p:anim>
+                                  </p:childTnLst>
+                                </p:cTn>
+                              </p:par>
+                              <p:par>
+                                <p:cTn id="25" presetID="2" presetClass="entr" presetSubtype="4" fill="hold" nodeType="withEffect">
+                                  <p:stCondLst>
+                                    <p:cond delay="0"/>
+                                  </p:stCondLst>
+                                  <p:childTnLst>
+                                    <p:set>
+                                      <p:cBhvr>
+                                        <p:cTn id="26" dur="1" fill="hold">
+                                          <p:stCondLst>
+                                            <p:cond delay="0"/>
+                                          </p:stCondLst>
+                                        </p:cTn>
+                                        <p:tgtEl>
+                                          <p:spTgt spid="2">
+                                            <p:txEl>
+                                              <p:pRg st="6" end="6"/>
+                                            </p:txEl>
+                                          </p:spTgt>
+                                        </p:tgtEl>
+                                        <p:attrNameLst>
+                                          <p:attrName>style.visibility</p:attrName>
+                                        </p:attrNameLst>
+                                      </p:cBhvr>
+                                      <p:to>
+                                        <p:strVal val="visible"/>
+                                      </p:to>
+                                    </p:set>
+                                    <p:anim calcmode="lin" valueType="num">
+                                      <p:cBhvr additive="base">
+                                        <p:cTn id="27" dur="500" fill="hold"/>
+                                        <p:tgtEl>
+                                          <p:spTgt spid="2">
+                                            <p:txEl>
+                                              <p:pRg st="6" end="6"/>
+                                            </p:txEl>
+                                          </p:spTgt>
+                                        </p:tgtEl>
+                                        <p:attrNameLst>
+                                          <p:attrName>ppt_x</p:attrName>
+                                        </p:attrNameLst>
+                                      </p:cBhvr>
+                                      <p:tavLst>
+                                        <p:tav tm="0">
+                                          <p:val>
+                                            <p:strVal val="#ppt_x"/>
+                                          </p:val>
+                                        </p:tav>
+                                        <p:tav tm="100000">
+                                          <p:val>
+                                            <p:strVal val="#ppt_x"/>
+                                          </p:val>
+                                        </p:tav>
+                                      </p:tavLst>
+                                    </p:anim>
+                                    <p:anim calcmode="lin" valueType="num">
+                                      <p:cBhvr additive="base">
+                                        <p:cTn id="28" dur="500" fill="hold"/>
+                                        <p:tgtEl>
+                                          <p:spTgt spid="2">
+                                            <p:txEl>
+                                              <p:pRg st="6" end="6"/>
+                                            </p:txEl>
+                                          </p:spTgt>
+                                        </p:tgtEl>
+                                        <p:attrNameLst>
+                                          <p:attrName>ppt_y</p:attrName>
+                                        </p:attrNameLst>
+                                      </p:cBhvr>
+                                      <p:tavLst>
+                                        <p:tav tm="0">
+                                          <p:val>
+                                            <p:strVal val="1+#ppt_h/2"/>
+                                          </p:val>
+                                        </p:tav>
+                                        <p:tav tm="100000">
+                                          <p:val>
+                                            <p:strVal val="#ppt_y"/>
+                                          </p:val>
+                                        </p:tav>
+                                      </p:tavLst>
+                                    </p:anim>
+                                  </p:childTnLst>
+                                </p:cTn>
+                              </p:par>
+                            </p:childTnLst>
+                          </p:cTn>
+                        </p:par>
+                      </p:childTnLst>
+                    </p:cTn>
+                  </p:par>
+                </p:childTnLst>
+              </p:cTn>
+              <p:prevCondLst>
+                <p:cond evt="onPrev" delay="0">
+                  <p:tgtEl>
+                    <p:sldTgt/>
+                  </p:tgtEl>
+                </p:cond>
+              </p:prevCondLst>
+              <p:nextCondLst>
+                <p:cond evt="onNext" delay="0">
+                  <p:tgtEl>
+                    <p:sldTgt/>
+                  </p:tgtEl>
+                </p:cond>
+              </p:nextCondLst>
+            </p:seq>
+          </p:childTnLst>
+        </p:cTn>
+      </p:par>
+    </p:tnLst>
+  </p:timing>
+</p:sld>
+</file>
+
 <file path=ppt/slides/slide2.xml><?xml version="1.0" encoding="utf-8"?>
 <p:sld xmlns:a="http://schemas.openxmlformats.org/drawingml/2006/main" xmlns:r="http://schemas.openxmlformats.org/officeDocument/2006/relationships" xmlns:p="http://schemas.openxmlformats.org/presentationml/2006/main">
   <p:cSld>
@@ -8440,8 +9538,8 @@
           </a:p>
         </p:txBody>
       </p:sp>
-      <mc:AlternateContent xmlns:mc="http://schemas.openxmlformats.org/markup-compatibility/2006" xmlns:a14="http://schemas.microsoft.com/office/drawing/2010/main">
-        <mc:Choice Requires="a14">
+      <mc:AlternateContent xmlns:mc="http://schemas.openxmlformats.org/markup-compatibility/2006">
+        <mc:Choice xmlns:a14="http://schemas.microsoft.com/office/drawing/2010/main" Requires="a14">
           <p:sp>
             <p:nvSpPr>
               <p:cNvPr id="5" name="TextBox 4">
@@ -8647,7 +9745,7 @@
             </p:txBody>
           </p:sp>
         </mc:Choice>
-        <mc:Fallback xmlns="">
+        <mc:Fallback>
           <p:sp>
             <p:nvSpPr>
               <p:cNvPr id="5" name="TextBox 4">
@@ -8695,7 +9793,7 @@
     </p:spTree>
     <p:extLst>
       <p:ext uri="{BB962C8B-B14F-4D97-AF65-F5344CB8AC3E}">
-        <p14:creationId xmlns:p14="http://schemas.microsoft.com/office/powerpoint/2010/main" val="158590841"/>
+        <p14:creationId xmlns:p14="http://schemas.microsoft.com/office/powerpoint/2010/main" val="1417969170"/>
       </p:ext>
     </p:extLst>
   </p:cSld>
@@ -8730,6 +9828,750 @@
           <p:cNvPr id="2" name="Title 1">
             <a:extLst>
               <a:ext uri="{FF2B5EF4-FFF2-40B4-BE49-F238E27FC236}">
+                <a16:creationId xmlns:a16="http://schemas.microsoft.com/office/drawing/2014/main" id="{B4BBE67E-C32B-9D19-C443-12CB1D1CE6B0}"/>
+              </a:ext>
+            </a:extLst>
+          </p:cNvPr>
+          <p:cNvSpPr>
+            <a:spLocks noGrp="1"/>
+          </p:cNvSpPr>
+          <p:nvPr>
+            <p:ph type="title"/>
+          </p:nvPr>
+        </p:nvSpPr>
+        <p:spPr/>
+        <p:txBody>
+          <a:bodyPr/>
+          <a:lstStyle/>
+          <a:p>
+            <a:r>
+              <a:rPr lang="en-US" dirty="0"/>
+              <a:t>LCM &amp; GCD </a:t>
+            </a:r>
+          </a:p>
+        </p:txBody>
+      </p:sp>
+      <p:sp>
+        <p:nvSpPr>
+          <p:cNvPr id="5" name="TextBox 4">
+            <a:extLst>
+              <a:ext uri="{FF2B5EF4-FFF2-40B4-BE49-F238E27FC236}">
+                <a16:creationId xmlns:a16="http://schemas.microsoft.com/office/drawing/2014/main" id="{4F1B36FB-2636-BC79-4399-CD27D572A20C}"/>
+              </a:ext>
+            </a:extLst>
+          </p:cNvPr>
+          <p:cNvSpPr txBox="1"/>
+          <p:nvPr/>
+        </p:nvSpPr>
+        <p:spPr>
+          <a:xfrm>
+            <a:off x="0" y="2122415"/>
+            <a:ext cx="10294182" cy="3139321"/>
+          </a:xfrm>
+          <a:prstGeom prst="rect">
+            <a:avLst/>
+          </a:prstGeom>
+          <a:noFill/>
+        </p:spPr>
+        <p:txBody>
+          <a:bodyPr wrap="square" rtlCol="0">
+            <a:spAutoFit/>
+          </a:bodyPr>
+          <a:lstStyle/>
+          <a:p>
+            <a:r>
+              <a:rPr lang="en-US" dirty="0">
+                <a:solidFill>
+                  <a:schemeClr val="bg1"/>
+                </a:solidFill>
+              </a:rPr>
+              <a:t>The way GCD works is by using something called Euclid’s algorithm it works in the following way : </a:t>
+            </a:r>
+          </a:p>
+          <a:p>
+            <a:r>
+              <a:rPr lang="en-US" dirty="0">
+                <a:solidFill>
+                  <a:schemeClr val="bg1"/>
+                </a:solidFill>
+              </a:rPr>
+              <a:t>def GCD(a, b):</a:t>
+            </a:r>
+          </a:p>
+          <a:p>
+            <a:r>
+              <a:rPr lang="en-US" dirty="0">
+                <a:solidFill>
+                  <a:schemeClr val="bg1"/>
+                </a:solidFill>
+              </a:rPr>
+              <a:t>    if b == 0: </a:t>
+            </a:r>
+          </a:p>
+          <a:p>
+            <a:r>
+              <a:rPr lang="en-US" dirty="0">
+                <a:solidFill>
+                  <a:schemeClr val="bg1"/>
+                </a:solidFill>
+              </a:rPr>
+              <a:t>        return a</a:t>
+            </a:r>
+          </a:p>
+          <a:p>
+            <a:r>
+              <a:rPr lang="en-US" dirty="0">
+                <a:solidFill>
+                  <a:schemeClr val="bg1"/>
+                </a:solidFill>
+              </a:rPr>
+              <a:t>    return GCD(b, a % b)</a:t>
+            </a:r>
+          </a:p>
+          <a:p>
+            <a:r>
+              <a:rPr lang="en-US" dirty="0">
+                <a:solidFill>
+                  <a:schemeClr val="bg1"/>
+                </a:solidFill>
+              </a:rPr>
+              <a:t>Pseudo code:</a:t>
+            </a:r>
+          </a:p>
+          <a:p>
+            <a:r>
+              <a:rPr lang="pt-BR" dirty="0">
+                <a:solidFill>
+                  <a:schemeClr val="bg1"/>
+                </a:solidFill>
+              </a:rPr>
+              <a:t>     </a:t>
+            </a:r>
+            <a:r>
+              <a:rPr lang="en-US" dirty="0">
+                <a:solidFill>
+                  <a:schemeClr val="bg1"/>
+                </a:solidFill>
+              </a:rPr>
+              <a:t>while b is not 0:</a:t>
+            </a:r>
+          </a:p>
+          <a:p>
+            <a:r>
+              <a:rPr lang="en-US" dirty="0">
+                <a:solidFill>
+                  <a:schemeClr val="bg1"/>
+                </a:solidFill>
+              </a:rPr>
+              <a:t>        temp = b</a:t>
+            </a:r>
+          </a:p>
+          <a:p>
+            <a:r>
+              <a:rPr lang="en-US" dirty="0">
+                <a:solidFill>
+                  <a:schemeClr val="bg1"/>
+                </a:solidFill>
+              </a:rPr>
+              <a:t>        b = a mod b</a:t>
+            </a:r>
+          </a:p>
+          <a:p>
+            <a:r>
+              <a:rPr lang="en-US" dirty="0">
+                <a:solidFill>
+                  <a:schemeClr val="bg1"/>
+                </a:solidFill>
+              </a:rPr>
+              <a:t>        a = temp</a:t>
+            </a:r>
+          </a:p>
+          <a:p>
+            <a:r>
+              <a:rPr lang="en-US" dirty="0">
+                <a:solidFill>
+                  <a:schemeClr val="bg1"/>
+                </a:solidFill>
+              </a:rPr>
+              <a:t>     return a</a:t>
+            </a:r>
+          </a:p>
+        </p:txBody>
+      </p:sp>
+    </p:spTree>
+    <p:extLst>
+      <p:ext uri="{BB962C8B-B14F-4D97-AF65-F5344CB8AC3E}">
+        <p14:creationId xmlns:p14="http://schemas.microsoft.com/office/powerpoint/2010/main" val="158590841"/>
+      </p:ext>
+    </p:extLst>
+  </p:cSld>
+  <p:clrMapOvr>
+    <a:masterClrMapping/>
+  </p:clrMapOvr>
+  <p:transition spd="slow">
+    <p:cover/>
+  </p:transition>
+</p:sld>
+</file>
+
+<file path=ppt/slides/slide7.xml><?xml version="1.0" encoding="utf-8"?>
+<p:sld xmlns:a="http://schemas.openxmlformats.org/drawingml/2006/main" xmlns:r="http://schemas.openxmlformats.org/officeDocument/2006/relationships" xmlns:p="http://schemas.openxmlformats.org/presentationml/2006/main">
+  <p:cSld>
+    <p:spTree>
+      <p:nvGrpSpPr>
+        <p:cNvPr id="1" name=""/>
+        <p:cNvGrpSpPr/>
+        <p:nvPr/>
+      </p:nvGrpSpPr>
+      <p:grpSpPr>
+        <a:xfrm>
+          <a:off x="0" y="0"/>
+          <a:ext cx="0" cy="0"/>
+          <a:chOff x="0" y="0"/>
+          <a:chExt cx="0" cy="0"/>
+        </a:xfrm>
+      </p:grpSpPr>
+      <p:sp>
+        <p:nvSpPr>
+          <p:cNvPr id="2" name="Title 1">
+            <a:extLst>
+              <a:ext uri="{FF2B5EF4-FFF2-40B4-BE49-F238E27FC236}">
+                <a16:creationId xmlns:a16="http://schemas.microsoft.com/office/drawing/2014/main" id="{B4BBE67E-C32B-9D19-C443-12CB1D1CE6B0}"/>
+              </a:ext>
+            </a:extLst>
+          </p:cNvPr>
+          <p:cNvSpPr>
+            <a:spLocks noGrp="1"/>
+          </p:cNvSpPr>
+          <p:nvPr>
+            <p:ph type="title"/>
+          </p:nvPr>
+        </p:nvSpPr>
+        <p:spPr/>
+        <p:txBody>
+          <a:bodyPr/>
+          <a:lstStyle/>
+          <a:p>
+            <a:r>
+              <a:rPr lang="en-US" dirty="0"/>
+              <a:t>The relation between LCM &amp; GCD </a:t>
+            </a:r>
+          </a:p>
+        </p:txBody>
+      </p:sp>
+      <mc:AlternateContent xmlns:mc="http://schemas.openxmlformats.org/markup-compatibility/2006">
+        <mc:Choice xmlns:a14="http://schemas.microsoft.com/office/drawing/2010/main" Requires="a14">
+          <p:sp>
+            <p:nvSpPr>
+              <p:cNvPr id="5" name="TextBox 4">
+                <a:extLst>
+                  <a:ext uri="{FF2B5EF4-FFF2-40B4-BE49-F238E27FC236}">
+                    <a16:creationId xmlns:a16="http://schemas.microsoft.com/office/drawing/2014/main" id="{4F1B36FB-2636-BC79-4399-CD27D572A20C}"/>
+                  </a:ext>
+                </a:extLst>
+              </p:cNvPr>
+              <p:cNvSpPr txBox="1"/>
+              <p:nvPr/>
+            </p:nvSpPr>
+            <p:spPr>
+              <a:xfrm>
+                <a:off x="0" y="2122415"/>
+                <a:ext cx="10294182" cy="1450846"/>
+              </a:xfrm>
+              <a:prstGeom prst="rect">
+                <a:avLst/>
+              </a:prstGeom>
+              <a:noFill/>
+            </p:spPr>
+            <p:txBody>
+              <a:bodyPr wrap="square" rtlCol="0">
+                <a:spAutoFit/>
+              </a:bodyPr>
+              <a:lstStyle/>
+              <a:p>
+                <a:r>
+                  <a:rPr lang="pt-BR" dirty="0">
+                    <a:solidFill>
+                      <a:schemeClr val="bg1"/>
+                    </a:solidFill>
+                  </a:rPr>
+                  <a:t>The relation between the LCM and The GCD is :</a:t>
+                </a:r>
+                <a14:m>
+                  <m:oMath xmlns:m="http://schemas.openxmlformats.org/officeDocument/2006/math">
+                    <m:r>
+                      <m:rPr>
+                        <m:nor/>
+                      </m:rPr>
+                      <a:rPr lang="pt-BR"/>
+                      <m:t>​</m:t>
+                    </m:r>
+                  </m:oMath>
+                </a14:m>
+                <a:br>
+                  <a:rPr lang="pt-BR" dirty="0"/>
+                </a:br>
+                <a14:m>
+                  <m:oMathPara xmlns:m="http://schemas.openxmlformats.org/officeDocument/2006/math">
+                    <m:oMathParaPr>
+                      <m:jc m:val="centerGroup"/>
+                    </m:oMathParaPr>
+                    <m:oMath xmlns:m="http://schemas.openxmlformats.org/officeDocument/2006/math">
+                      <m:r>
+                        <a:rPr lang="pt-BR" sz="2000" i="1" smtClean="0">
+                          <a:solidFill>
+                            <a:schemeClr val="bg1"/>
+                          </a:solidFill>
+                          <a:latin typeface="Cambria Math" panose="02040503050406030204" pitchFamily="18" charset="0"/>
+                        </a:rPr>
+                        <m:t>𝐿𝐶𝑀</m:t>
+                      </m:r>
+                      <m:r>
+                        <a:rPr lang="pt-BR" sz="2000" i="1" smtClean="0">
+                          <a:solidFill>
+                            <a:schemeClr val="bg1"/>
+                          </a:solidFill>
+                          <a:latin typeface="Cambria Math" panose="02040503050406030204" pitchFamily="18" charset="0"/>
+                        </a:rPr>
+                        <m:t>(</m:t>
+                      </m:r>
+                      <m:r>
+                        <a:rPr lang="pt-BR" sz="2000" i="1" smtClean="0">
+                          <a:solidFill>
+                            <a:schemeClr val="bg1"/>
+                          </a:solidFill>
+                          <a:latin typeface="Cambria Math" panose="02040503050406030204" pitchFamily="18" charset="0"/>
+                        </a:rPr>
+                        <m:t>𝑎</m:t>
+                      </m:r>
+                      <m:r>
+                        <a:rPr lang="pt-BR" sz="2000" i="1" smtClean="0">
+                          <a:solidFill>
+                            <a:schemeClr val="bg1"/>
+                          </a:solidFill>
+                          <a:latin typeface="Cambria Math" panose="02040503050406030204" pitchFamily="18" charset="0"/>
+                        </a:rPr>
+                        <m:t>,</m:t>
+                      </m:r>
+                      <m:r>
+                        <a:rPr lang="pt-BR" sz="2000" i="1" smtClean="0">
+                          <a:solidFill>
+                            <a:schemeClr val="bg1"/>
+                          </a:solidFill>
+                          <a:latin typeface="Cambria Math" panose="02040503050406030204" pitchFamily="18" charset="0"/>
+                        </a:rPr>
+                        <m:t>𝑏</m:t>
+                      </m:r>
+                      <m:r>
+                        <a:rPr lang="pt-BR" sz="2000" i="1" smtClean="0">
+                          <a:solidFill>
+                            <a:schemeClr val="bg1"/>
+                          </a:solidFill>
+                          <a:latin typeface="Cambria Math" panose="02040503050406030204" pitchFamily="18" charset="0"/>
+                        </a:rPr>
+                        <m:t>)⋅</m:t>
+                      </m:r>
+                      <m:r>
+                        <a:rPr lang="pt-BR" sz="2000" i="1" smtClean="0">
+                          <a:solidFill>
+                            <a:schemeClr val="bg1"/>
+                          </a:solidFill>
+                          <a:latin typeface="Cambria Math" panose="02040503050406030204" pitchFamily="18" charset="0"/>
+                        </a:rPr>
+                        <m:t>𝐺𝐶𝐷</m:t>
+                      </m:r>
+                      <m:r>
+                        <a:rPr lang="pt-BR" sz="2000" i="1" smtClean="0">
+                          <a:solidFill>
+                            <a:schemeClr val="bg1"/>
+                          </a:solidFill>
+                          <a:latin typeface="Cambria Math" panose="02040503050406030204" pitchFamily="18" charset="0"/>
+                        </a:rPr>
+                        <m:t>(</m:t>
+                      </m:r>
+                      <m:r>
+                        <a:rPr lang="pt-BR" sz="2000" i="1" smtClean="0">
+                          <a:solidFill>
+                            <a:schemeClr val="bg1"/>
+                          </a:solidFill>
+                          <a:latin typeface="Cambria Math" panose="02040503050406030204" pitchFamily="18" charset="0"/>
+                        </a:rPr>
+                        <m:t>𝑎</m:t>
+                      </m:r>
+                      <m:r>
+                        <a:rPr lang="pt-BR" sz="2000" i="1" smtClean="0">
+                          <a:solidFill>
+                            <a:schemeClr val="bg1"/>
+                          </a:solidFill>
+                          <a:latin typeface="Cambria Math" panose="02040503050406030204" pitchFamily="18" charset="0"/>
+                        </a:rPr>
+                        <m:t>,</m:t>
+                      </m:r>
+                      <m:r>
+                        <a:rPr lang="pt-BR" sz="2000" i="1" smtClean="0">
+                          <a:solidFill>
+                            <a:schemeClr val="bg1"/>
+                          </a:solidFill>
+                          <a:latin typeface="Cambria Math" panose="02040503050406030204" pitchFamily="18" charset="0"/>
+                        </a:rPr>
+                        <m:t>𝑏</m:t>
+                      </m:r>
+                      <m:r>
+                        <a:rPr lang="pt-BR" sz="2000" i="1" smtClean="0">
+                          <a:solidFill>
+                            <a:schemeClr val="bg1"/>
+                          </a:solidFill>
+                          <a:latin typeface="Cambria Math" panose="02040503050406030204" pitchFamily="18" charset="0"/>
+                        </a:rPr>
+                        <m:t>)=∣</m:t>
+                      </m:r>
+                      <m:r>
+                        <a:rPr lang="pt-BR" sz="2000" i="1" smtClean="0">
+                          <a:solidFill>
+                            <a:schemeClr val="bg1"/>
+                          </a:solidFill>
+                          <a:latin typeface="Cambria Math" panose="02040503050406030204" pitchFamily="18" charset="0"/>
+                        </a:rPr>
+                        <m:t>𝑎</m:t>
+                      </m:r>
+                      <m:r>
+                        <a:rPr lang="pt-BR" sz="2000" i="1" smtClean="0">
+                          <a:solidFill>
+                            <a:schemeClr val="bg1"/>
+                          </a:solidFill>
+                          <a:latin typeface="Cambria Math" panose="02040503050406030204" pitchFamily="18" charset="0"/>
+                        </a:rPr>
+                        <m:t>⋅</m:t>
+                      </m:r>
+                      <m:r>
+                        <a:rPr lang="pt-BR" sz="2000" i="1" smtClean="0">
+                          <a:solidFill>
+                            <a:schemeClr val="bg1"/>
+                          </a:solidFill>
+                          <a:latin typeface="Cambria Math" panose="02040503050406030204" pitchFamily="18" charset="0"/>
+                        </a:rPr>
+                        <m:t>𝑏</m:t>
+                      </m:r>
+                      <m:r>
+                        <a:rPr lang="pt-BR" sz="2000" i="1" smtClean="0">
+                          <a:solidFill>
+                            <a:schemeClr val="bg1"/>
+                          </a:solidFill>
+                          <a:latin typeface="Cambria Math" panose="02040503050406030204" pitchFamily="18" charset="0"/>
+                        </a:rPr>
+                        <m:t>∣</m:t>
+                      </m:r>
+                    </m:oMath>
+                  </m:oMathPara>
+                </a14:m>
+                <a:endParaRPr lang="pt-BR" sz="2000" dirty="0">
+                  <a:solidFill>
+                    <a:schemeClr val="bg1"/>
+                  </a:solidFill>
+                </a:endParaRPr>
+              </a:p>
+              <a:p>
+                <a:endParaRPr lang="pt-BR" dirty="0">
+                  <a:solidFill>
+                    <a:schemeClr val="bg1"/>
+                  </a:solidFill>
+                </a:endParaRPr>
+              </a:p>
+              <a:p>
+                <a:r>
+                  <a:rPr lang="pt-BR" dirty="0">
+                    <a:solidFill>
+                      <a:schemeClr val="bg1"/>
+                    </a:solidFill>
+                  </a:rPr>
+                  <a:t>From this equation we can get this : </a:t>
+                </a:r>
+                <a14:m>
+                  <m:oMath xmlns:m="http://schemas.openxmlformats.org/officeDocument/2006/math">
+                    <m:r>
+                      <a:rPr lang="en-US" sz="2000" b="0" i="1" smtClean="0">
+                        <a:solidFill>
+                          <a:schemeClr val="bg1"/>
+                        </a:solidFill>
+                        <a:latin typeface="Cambria Math" panose="02040503050406030204" pitchFamily="18" charset="0"/>
+                      </a:rPr>
+                      <m:t>𝐿𝐶𝑀</m:t>
+                    </m:r>
+                    <m:r>
+                      <a:rPr lang="en-US" sz="2000" b="0" i="1" smtClean="0">
+                        <a:solidFill>
+                          <a:schemeClr val="bg1"/>
+                        </a:solidFill>
+                        <a:latin typeface="Cambria Math" panose="02040503050406030204" pitchFamily="18" charset="0"/>
+                      </a:rPr>
+                      <m:t> </m:t>
+                    </m:r>
+                    <m:d>
+                      <m:dPr>
+                        <m:ctrlPr>
+                          <a:rPr lang="en-US" sz="2000" b="0" i="1" smtClean="0">
+                            <a:solidFill>
+                              <a:schemeClr val="bg1"/>
+                            </a:solidFill>
+                            <a:latin typeface="Cambria Math" panose="02040503050406030204" pitchFamily="18" charset="0"/>
+                          </a:rPr>
+                        </m:ctrlPr>
+                      </m:dPr>
+                      <m:e>
+                        <m:r>
+                          <a:rPr lang="en-US" sz="2000" b="0" i="1" smtClean="0">
+                            <a:solidFill>
+                              <a:schemeClr val="bg1"/>
+                            </a:solidFill>
+                            <a:latin typeface="Cambria Math" panose="02040503050406030204" pitchFamily="18" charset="0"/>
+                          </a:rPr>
+                          <m:t>𝑎</m:t>
+                        </m:r>
+                        <m:r>
+                          <a:rPr lang="en-US" sz="2000" b="0" i="1" smtClean="0">
+                            <a:solidFill>
+                              <a:schemeClr val="bg1"/>
+                            </a:solidFill>
+                            <a:latin typeface="Cambria Math" panose="02040503050406030204" pitchFamily="18" charset="0"/>
+                          </a:rPr>
+                          <m:t>,</m:t>
+                        </m:r>
+                        <m:r>
+                          <a:rPr lang="en-US" sz="2000" b="0" i="1" smtClean="0">
+                            <a:solidFill>
+                              <a:schemeClr val="bg1"/>
+                            </a:solidFill>
+                            <a:latin typeface="Cambria Math" panose="02040503050406030204" pitchFamily="18" charset="0"/>
+                          </a:rPr>
+                          <m:t>𝑏</m:t>
+                        </m:r>
+                      </m:e>
+                    </m:d>
+                    <m:r>
+                      <a:rPr lang="en-US" sz="2000" b="0" i="1" smtClean="0">
+                        <a:solidFill>
+                          <a:schemeClr val="bg1"/>
+                        </a:solidFill>
+                        <a:latin typeface="Cambria Math" panose="02040503050406030204" pitchFamily="18" charset="0"/>
+                      </a:rPr>
+                      <m:t>=</m:t>
+                    </m:r>
+                    <m:f>
+                      <m:fPr>
+                        <m:ctrlPr>
+                          <a:rPr lang="en-US" sz="2000" b="0" i="1" smtClean="0">
+                            <a:solidFill>
+                              <a:schemeClr val="bg1"/>
+                            </a:solidFill>
+                            <a:latin typeface="Cambria Math" panose="02040503050406030204" pitchFamily="18" charset="0"/>
+                          </a:rPr>
+                        </m:ctrlPr>
+                      </m:fPr>
+                      <m:num>
+                        <m:d>
+                          <m:dPr>
+                            <m:begChr m:val="|"/>
+                            <m:endChr m:val="|"/>
+                            <m:ctrlPr>
+                              <a:rPr lang="en-US" sz="2000" b="0" i="1" smtClean="0">
+                                <a:solidFill>
+                                  <a:schemeClr val="bg1"/>
+                                </a:solidFill>
+                                <a:latin typeface="Cambria Math" panose="02040503050406030204" pitchFamily="18" charset="0"/>
+                              </a:rPr>
+                            </m:ctrlPr>
+                          </m:dPr>
+                          <m:e>
+                            <m:r>
+                              <a:rPr lang="en-US" sz="2000" b="0" i="1" smtClean="0">
+                                <a:solidFill>
+                                  <a:schemeClr val="bg1"/>
+                                </a:solidFill>
+                                <a:latin typeface="Cambria Math" panose="02040503050406030204" pitchFamily="18" charset="0"/>
+                              </a:rPr>
+                              <m:t>𝑎</m:t>
+                            </m:r>
+                            <m:r>
+                              <a:rPr lang="en-US" sz="2000" b="0" i="1" smtClean="0">
+                                <a:solidFill>
+                                  <a:schemeClr val="bg1"/>
+                                </a:solidFill>
+                                <a:latin typeface="Cambria Math" panose="02040503050406030204" pitchFamily="18" charset="0"/>
+                              </a:rPr>
+                              <m:t>.</m:t>
+                            </m:r>
+                            <m:r>
+                              <a:rPr lang="en-US" sz="2000" b="0" i="1" smtClean="0">
+                                <a:solidFill>
+                                  <a:schemeClr val="bg1"/>
+                                </a:solidFill>
+                                <a:latin typeface="Cambria Math" panose="02040503050406030204" pitchFamily="18" charset="0"/>
+                              </a:rPr>
+                              <m:t>𝑏</m:t>
+                            </m:r>
+                          </m:e>
+                        </m:d>
+                      </m:num>
+                      <m:den>
+                        <m:r>
+                          <a:rPr lang="en-US" sz="2000" b="0" i="1" smtClean="0">
+                            <a:solidFill>
+                              <a:schemeClr val="bg1"/>
+                            </a:solidFill>
+                            <a:latin typeface="Cambria Math" panose="02040503050406030204" pitchFamily="18" charset="0"/>
+                          </a:rPr>
+                          <m:t>𝐺𝐶𝐷</m:t>
+                        </m:r>
+                        <m:r>
+                          <a:rPr lang="en-US" sz="2000" b="0" i="1" smtClean="0">
+                            <a:solidFill>
+                              <a:schemeClr val="bg1"/>
+                            </a:solidFill>
+                            <a:latin typeface="Cambria Math" panose="02040503050406030204" pitchFamily="18" charset="0"/>
+                          </a:rPr>
+                          <m:t>(</m:t>
+                        </m:r>
+                        <m:r>
+                          <a:rPr lang="en-US" sz="2000" b="0" i="1" smtClean="0">
+                            <a:solidFill>
+                              <a:schemeClr val="bg1"/>
+                            </a:solidFill>
+                            <a:latin typeface="Cambria Math" panose="02040503050406030204" pitchFamily="18" charset="0"/>
+                          </a:rPr>
+                          <m:t>𝑎</m:t>
+                        </m:r>
+                        <m:r>
+                          <a:rPr lang="en-US" sz="2000" b="0" i="1" smtClean="0">
+                            <a:solidFill>
+                              <a:schemeClr val="bg1"/>
+                            </a:solidFill>
+                            <a:latin typeface="Cambria Math" panose="02040503050406030204" pitchFamily="18" charset="0"/>
+                          </a:rPr>
+                          <m:t>,</m:t>
+                        </m:r>
+                        <m:r>
+                          <a:rPr lang="en-US" sz="2000" b="0" i="1" smtClean="0">
+                            <a:solidFill>
+                              <a:schemeClr val="bg1"/>
+                            </a:solidFill>
+                            <a:latin typeface="Cambria Math" panose="02040503050406030204" pitchFamily="18" charset="0"/>
+                          </a:rPr>
+                          <m:t>𝑏</m:t>
+                        </m:r>
+                        <m:r>
+                          <a:rPr lang="en-US" sz="2000" b="0" i="1" smtClean="0">
+                            <a:solidFill>
+                              <a:schemeClr val="bg1"/>
+                            </a:solidFill>
+                            <a:latin typeface="Cambria Math" panose="02040503050406030204" pitchFamily="18" charset="0"/>
+                          </a:rPr>
+                          <m:t>)</m:t>
+                        </m:r>
+                      </m:den>
+                    </m:f>
+                    <m:r>
+                      <a:rPr lang="en-US" sz="2000" b="0" i="1" smtClean="0">
+                        <a:solidFill>
+                          <a:schemeClr val="bg1"/>
+                        </a:solidFill>
+                        <a:latin typeface="Cambria Math" panose="02040503050406030204" pitchFamily="18" charset="0"/>
+                      </a:rPr>
+                      <m:t> </m:t>
+                    </m:r>
+                  </m:oMath>
+                </a14:m>
+                <a:endParaRPr lang="pt-BR" sz="2000" dirty="0">
+                  <a:solidFill>
+                    <a:schemeClr val="bg1"/>
+                  </a:solidFill>
+                </a:endParaRPr>
+              </a:p>
+            </p:txBody>
+          </p:sp>
+        </mc:Choice>
+        <mc:Fallback>
+          <p:sp>
+            <p:nvSpPr>
+              <p:cNvPr id="5" name="TextBox 4">
+                <a:extLst>
+                  <a:ext uri="{FF2B5EF4-FFF2-40B4-BE49-F238E27FC236}">
+                    <a16:creationId xmlns:a16="http://schemas.microsoft.com/office/drawing/2014/main" id="{4F1B36FB-2636-BC79-4399-CD27D572A20C}"/>
+                  </a:ext>
+                </a:extLst>
+              </p:cNvPr>
+              <p:cNvSpPr txBox="1">
+                <a:spLocks noRot="1" noChangeAspect="1" noMove="1" noResize="1" noEditPoints="1" noAdjustHandles="1" noChangeArrowheads="1" noChangeShapeType="1" noTextEdit="1"/>
+              </p:cNvSpPr>
+              <p:nvPr/>
+            </p:nvSpPr>
+            <p:spPr>
+              <a:xfrm>
+                <a:off x="0" y="2122415"/>
+                <a:ext cx="10294182" cy="1450846"/>
+              </a:xfrm>
+              <a:prstGeom prst="rect">
+                <a:avLst/>
+              </a:prstGeom>
+              <a:blipFill>
+                <a:blip r:embed="rId2"/>
+                <a:stretch>
+                  <a:fillRect l="-474" t="-2521"/>
+                </a:stretch>
+              </a:blipFill>
+            </p:spPr>
+            <p:txBody>
+              <a:bodyPr/>
+              <a:lstStyle/>
+              <a:p>
+                <a:r>
+                  <a:rPr lang="en-US">
+                    <a:noFill/>
+                  </a:rPr>
+                  <a:t> </a:t>
+                </a:r>
+              </a:p>
+            </p:txBody>
+          </p:sp>
+        </mc:Fallback>
+      </mc:AlternateContent>
+    </p:spTree>
+    <p:extLst>
+      <p:ext uri="{BB962C8B-B14F-4D97-AF65-F5344CB8AC3E}">
+        <p14:creationId xmlns:p14="http://schemas.microsoft.com/office/powerpoint/2010/main" val="3883074900"/>
+      </p:ext>
+    </p:extLst>
+  </p:cSld>
+  <p:clrMapOvr>
+    <a:masterClrMapping/>
+  </p:clrMapOvr>
+  <p:transition spd="slow">
+    <p:cover/>
+  </p:transition>
+</p:sld>
+</file>
+
+<file path=ppt/slides/slide8.xml><?xml version="1.0" encoding="utf-8"?>
+<p:sld xmlns:a="http://schemas.openxmlformats.org/drawingml/2006/main" xmlns:r="http://schemas.openxmlformats.org/officeDocument/2006/relationships" xmlns:p="http://schemas.openxmlformats.org/presentationml/2006/main">
+  <p:cSld>
+    <p:spTree>
+      <p:nvGrpSpPr>
+        <p:cNvPr id="1" name=""/>
+        <p:cNvGrpSpPr/>
+        <p:nvPr/>
+      </p:nvGrpSpPr>
+      <p:grpSpPr>
+        <a:xfrm>
+          <a:off x="0" y="0"/>
+          <a:ext cx="0" cy="0"/>
+          <a:chOff x="0" y="0"/>
+          <a:chExt cx="0" cy="0"/>
+        </a:xfrm>
+      </p:grpSpPr>
+      <p:sp>
+        <p:nvSpPr>
+          <p:cNvPr id="2" name="Title 1">
+            <a:extLst>
+              <a:ext uri="{FF2B5EF4-FFF2-40B4-BE49-F238E27FC236}">
                 <a16:creationId xmlns:a16="http://schemas.microsoft.com/office/drawing/2014/main" id="{C45926D4-BBA0-5FED-0EFE-ED8CA2D9D408}"/>
               </a:ext>
             </a:extLst>
@@ -8871,7 +10713,7 @@
                   <a:schemeClr val="bg1"/>
                 </a:solidFill>
               </a:rPr>
-              <a:t>print(LCM(15, 20))♥</a:t>
+              <a:t>print(LCM(15, 20))</a:t>
             </a:r>
           </a:p>
           <a:p>
@@ -9287,7 +11129,7 @@
 </p:sld>
 </file>
 
-<file path=ppt/slides/slide7.xml><?xml version="1.0" encoding="utf-8"?>
+<file path=ppt/slides/slide9.xml><?xml version="1.0" encoding="utf-8"?>
 <p:sld xmlns:a="http://schemas.openxmlformats.org/drawingml/2006/main" xmlns:r="http://schemas.openxmlformats.org/officeDocument/2006/relationships" xmlns:p="http://schemas.openxmlformats.org/presentationml/2006/main">
   <p:cSld>
     <p:spTree>
@@ -11635,1632 +13477,6 @@
 </p:sld>
 </file>
 
-<file path=ppt/slides/slide8.xml><?xml version="1.0" encoding="utf-8"?>
-<p:sld xmlns:a="http://schemas.openxmlformats.org/drawingml/2006/main" xmlns:r="http://schemas.openxmlformats.org/officeDocument/2006/relationships" xmlns:p="http://schemas.openxmlformats.org/presentationml/2006/main">
-  <p:cSld>
-    <p:spTree>
-      <p:nvGrpSpPr>
-        <p:cNvPr id="1" name=""/>
-        <p:cNvGrpSpPr/>
-        <p:nvPr/>
-      </p:nvGrpSpPr>
-      <p:grpSpPr>
-        <a:xfrm>
-          <a:off x="0" y="0"/>
-          <a:ext cx="0" cy="0"/>
-          <a:chOff x="0" y="0"/>
-          <a:chExt cx="0" cy="0"/>
-        </a:xfrm>
-      </p:grpSpPr>
-      <mc:AlternateContent xmlns:mc="http://schemas.openxmlformats.org/markup-compatibility/2006" xmlns:a14="http://schemas.microsoft.com/office/drawing/2010/main">
-        <mc:Choice Requires="a14">
-          <p:sp>
-            <p:nvSpPr>
-              <p:cNvPr id="2" name="TextBox 1">
-                <a:extLst>
-                  <a:ext uri="{FF2B5EF4-FFF2-40B4-BE49-F238E27FC236}">
-                    <a16:creationId xmlns:a16="http://schemas.microsoft.com/office/drawing/2014/main" id="{CE198839-D09C-DE8E-B061-46CC4B2C259C}"/>
-                  </a:ext>
-                </a:extLst>
-              </p:cNvPr>
-              <p:cNvSpPr txBox="1"/>
-              <p:nvPr/>
-            </p:nvSpPr>
-            <p:spPr>
-              <a:xfrm>
-                <a:off x="0" y="86265"/>
-                <a:ext cx="10420709" cy="3765839"/>
-              </a:xfrm>
-              <a:prstGeom prst="rect">
-                <a:avLst/>
-              </a:prstGeom>
-              <a:noFill/>
-            </p:spPr>
-            <p:txBody>
-              <a:bodyPr wrap="square" rtlCol="0">
-                <a:spAutoFit/>
-              </a:bodyPr>
-              <a:lstStyle/>
-              <a:p>
-                <a:r>
-                  <a:rPr lang="en-US" dirty="0">
-                    <a:solidFill>
-                      <a:schemeClr val="bg1"/>
-                    </a:solidFill>
-                  </a:rPr>
-                  <a:t>My goal is to reach the base case and from here to reach it we do the following:</a:t>
-                </a:r>
-              </a:p>
-              <a:p>
-                <a:pPr/>
-                <a14:m>
-                  <m:oMathPara xmlns:m="http://schemas.openxmlformats.org/officeDocument/2006/math">
-                    <m:oMathParaPr>
-                      <m:jc m:val="centerGroup"/>
-                    </m:oMathParaPr>
-                    <m:oMath xmlns:m="http://schemas.openxmlformats.org/officeDocument/2006/math">
-                      <m:r>
-                        <a:rPr lang="en-US" b="0" i="1" smtClean="0">
-                          <a:solidFill>
-                            <a:schemeClr val="bg1"/>
-                          </a:solidFill>
-                          <a:latin typeface="Cambria Math" panose="02040503050406030204" pitchFamily="18" charset="0"/>
-                        </a:rPr>
-                        <m:t>𝑇</m:t>
-                      </m:r>
-                      <m:d>
-                        <m:dPr>
-                          <m:ctrlPr>
-                            <a:rPr lang="en-US" b="0" i="1" smtClean="0">
-                              <a:solidFill>
-                                <a:schemeClr val="bg1"/>
-                              </a:solidFill>
-                              <a:latin typeface="Cambria Math" panose="02040503050406030204" pitchFamily="18" charset="0"/>
-                            </a:rPr>
-                          </m:ctrlPr>
-                        </m:dPr>
-                        <m:e>
-                          <m:f>
-                            <m:fPr>
-                              <m:ctrlPr>
-                                <a:rPr lang="en-US" b="0" i="1" smtClean="0">
-                                  <a:solidFill>
-                                    <a:schemeClr val="bg1"/>
-                                  </a:solidFill>
-                                  <a:latin typeface="Cambria Math" panose="02040503050406030204" pitchFamily="18" charset="0"/>
-                                </a:rPr>
-                              </m:ctrlPr>
-                            </m:fPr>
-                            <m:num>
-                              <m:r>
-                                <a:rPr lang="en-US" b="0" i="1" smtClean="0">
-                                  <a:solidFill>
-                                    <a:schemeClr val="bg1"/>
-                                  </a:solidFill>
-                                  <a:latin typeface="Cambria Math" panose="02040503050406030204" pitchFamily="18" charset="0"/>
-                                </a:rPr>
-                                <m:t>𝑎</m:t>
-                              </m:r>
-                            </m:num>
-                            <m:den>
-                              <m:sSup>
-                                <m:sSupPr>
-                                  <m:ctrlPr>
-                                    <a:rPr lang="en-US" b="0" i="1" smtClean="0">
-                                      <a:solidFill>
-                                        <a:schemeClr val="bg1"/>
-                                      </a:solidFill>
-                                      <a:latin typeface="Cambria Math" panose="02040503050406030204" pitchFamily="18" charset="0"/>
-                                    </a:rPr>
-                                  </m:ctrlPr>
-                                </m:sSupPr>
-                                <m:e>
-                                  <m:r>
-                                    <a:rPr lang="en-US" b="0" i="1" smtClean="0">
-                                      <a:solidFill>
-                                        <a:schemeClr val="bg1"/>
-                                      </a:solidFill>
-                                      <a:latin typeface="Cambria Math" panose="02040503050406030204" pitchFamily="18" charset="0"/>
-                                    </a:rPr>
-                                    <m:t>2</m:t>
-                                  </m:r>
-                                </m:e>
-                                <m:sup>
-                                  <m:r>
-                                    <a:rPr lang="en-US" b="0" i="1" smtClean="0">
-                                      <a:solidFill>
-                                        <a:schemeClr val="bg1"/>
-                                      </a:solidFill>
-                                      <a:latin typeface="Cambria Math" panose="02040503050406030204" pitchFamily="18" charset="0"/>
-                                    </a:rPr>
-                                    <m:t>𝑙𝑜𝑔𝑏</m:t>
-                                  </m:r>
-                                </m:sup>
-                              </m:sSup>
-                            </m:den>
-                          </m:f>
-                          <m:r>
-                            <a:rPr lang="en-US" b="0" i="1" smtClean="0">
-                              <a:solidFill>
-                                <a:schemeClr val="bg1"/>
-                              </a:solidFill>
-                              <a:latin typeface="Cambria Math" panose="02040503050406030204" pitchFamily="18" charset="0"/>
-                            </a:rPr>
-                            <m:t> ,</m:t>
-                          </m:r>
-                          <m:f>
-                            <m:fPr>
-                              <m:ctrlPr>
-                                <a:rPr lang="en-US" b="0" i="1" smtClean="0">
-                                  <a:solidFill>
-                                    <a:schemeClr val="bg1"/>
-                                  </a:solidFill>
-                                  <a:latin typeface="Cambria Math" panose="02040503050406030204" pitchFamily="18" charset="0"/>
-                                </a:rPr>
-                              </m:ctrlPr>
-                            </m:fPr>
-                            <m:num>
-                              <m:r>
-                                <a:rPr lang="en-US" b="0" i="1" smtClean="0">
-                                  <a:solidFill>
-                                    <a:schemeClr val="bg1"/>
-                                  </a:solidFill>
-                                  <a:latin typeface="Cambria Math" panose="02040503050406030204" pitchFamily="18" charset="0"/>
-                                </a:rPr>
-                                <m:t>𝑏</m:t>
-                              </m:r>
-                            </m:num>
-                            <m:den>
-                              <m:sSup>
-                                <m:sSupPr>
-                                  <m:ctrlPr>
-                                    <a:rPr lang="en-US" b="0" i="1" smtClean="0">
-                                      <a:solidFill>
-                                        <a:schemeClr val="bg1"/>
-                                      </a:solidFill>
-                                      <a:latin typeface="Cambria Math" panose="02040503050406030204" pitchFamily="18" charset="0"/>
-                                    </a:rPr>
-                                  </m:ctrlPr>
-                                </m:sSupPr>
-                                <m:e>
-                                  <m:r>
-                                    <a:rPr lang="en-US" b="0" i="1" smtClean="0">
-                                      <a:solidFill>
-                                        <a:schemeClr val="bg1"/>
-                                      </a:solidFill>
-                                      <a:latin typeface="Cambria Math" panose="02040503050406030204" pitchFamily="18" charset="0"/>
-                                    </a:rPr>
-                                    <m:t>2</m:t>
-                                  </m:r>
-                                </m:e>
-                                <m:sup>
-                                  <m:r>
-                                    <a:rPr lang="en-US" b="0" i="1" smtClean="0">
-                                      <a:solidFill>
-                                        <a:schemeClr val="bg1"/>
-                                      </a:solidFill>
-                                      <a:latin typeface="Cambria Math" panose="02040503050406030204" pitchFamily="18" charset="0"/>
-                                    </a:rPr>
-                                    <m:t>𝑙𝑜𝑔𝑏</m:t>
-                                  </m:r>
-                                </m:sup>
-                              </m:sSup>
-                            </m:den>
-                          </m:f>
-                        </m:e>
-                      </m:d>
-                      <m:r>
-                        <a:rPr lang="en-US" b="0" i="1" smtClean="0">
-                          <a:solidFill>
-                            <a:schemeClr val="bg1"/>
-                          </a:solidFill>
-                          <a:latin typeface="Cambria Math" panose="02040503050406030204" pitchFamily="18" charset="0"/>
-                        </a:rPr>
-                        <m:t>+2∗</m:t>
-                      </m:r>
-                      <m:r>
-                        <a:rPr lang="en-US" b="0" i="1" smtClean="0">
-                          <a:solidFill>
-                            <a:schemeClr val="bg1"/>
-                          </a:solidFill>
-                          <a:latin typeface="Cambria Math" panose="02040503050406030204" pitchFamily="18" charset="0"/>
-                        </a:rPr>
-                        <m:t>𝑙𝑜𝑔𝑏</m:t>
-                      </m:r>
-                    </m:oMath>
-                  </m:oMathPara>
-                </a14:m>
-                <a:endParaRPr lang="en-US" dirty="0">
-                  <a:solidFill>
-                    <a:schemeClr val="bg1"/>
-                  </a:solidFill>
-                </a:endParaRPr>
-              </a:p>
-              <a:p>
-                <a:endParaRPr lang="en-US" dirty="0">
-                  <a:solidFill>
-                    <a:schemeClr val="bg1"/>
-                  </a:solidFill>
-                </a:endParaRPr>
-              </a:p>
-              <a:p>
-                <a:pPr/>
-                <a14:m>
-                  <m:oMathPara xmlns:m="http://schemas.openxmlformats.org/officeDocument/2006/math">
-                    <m:oMathParaPr>
-                      <m:jc m:val="centerGroup"/>
-                    </m:oMathParaPr>
-                    <m:oMath xmlns:m="http://schemas.openxmlformats.org/officeDocument/2006/math">
-                      <m:r>
-                        <a:rPr lang="en-US" b="0" i="1" smtClean="0">
-                          <a:solidFill>
-                            <a:schemeClr val="bg1"/>
-                          </a:solidFill>
-                          <a:latin typeface="Cambria Math" panose="02040503050406030204" pitchFamily="18" charset="0"/>
-                        </a:rPr>
-                        <m:t>≤</m:t>
-                      </m:r>
-                      <m:r>
-                        <a:rPr lang="en-US" b="0" i="1" smtClean="0">
-                          <a:solidFill>
-                            <a:schemeClr val="bg1"/>
-                          </a:solidFill>
-                          <a:latin typeface="Cambria Math" panose="02040503050406030204" pitchFamily="18" charset="0"/>
-                        </a:rPr>
-                        <m:t>𝑇</m:t>
-                      </m:r>
-                      <m:d>
-                        <m:dPr>
-                          <m:ctrlPr>
-                            <a:rPr lang="en-US" b="0" i="1" smtClean="0">
-                              <a:solidFill>
-                                <a:schemeClr val="bg1"/>
-                              </a:solidFill>
-                              <a:latin typeface="Cambria Math" panose="02040503050406030204" pitchFamily="18" charset="0"/>
-                            </a:rPr>
-                          </m:ctrlPr>
-                        </m:dPr>
-                        <m:e>
-                          <m:f>
-                            <m:fPr>
-                              <m:ctrlPr>
-                                <a:rPr lang="en-US" b="0" i="1" smtClean="0">
-                                  <a:solidFill>
-                                    <a:schemeClr val="bg1"/>
-                                  </a:solidFill>
-                                  <a:latin typeface="Cambria Math" panose="02040503050406030204" pitchFamily="18" charset="0"/>
-                                </a:rPr>
-                              </m:ctrlPr>
-                            </m:fPr>
-                            <m:num>
-                              <m:r>
-                                <a:rPr lang="en-US" b="0" i="1" smtClean="0">
-                                  <a:solidFill>
-                                    <a:schemeClr val="bg1"/>
-                                  </a:solidFill>
-                                  <a:latin typeface="Cambria Math" panose="02040503050406030204" pitchFamily="18" charset="0"/>
-                                </a:rPr>
-                                <m:t>𝑎</m:t>
-                              </m:r>
-                            </m:num>
-                            <m:den>
-                              <m:r>
-                                <a:rPr lang="en-US" b="0" i="1" smtClean="0">
-                                  <a:solidFill>
-                                    <a:schemeClr val="bg1"/>
-                                  </a:solidFill>
-                                  <a:latin typeface="Cambria Math" panose="02040503050406030204" pitchFamily="18" charset="0"/>
-                                </a:rPr>
-                                <m:t>𝑏</m:t>
-                              </m:r>
-                            </m:den>
-                          </m:f>
-                          <m:r>
-                            <a:rPr lang="en-US" b="0" i="1" smtClean="0">
-                              <a:solidFill>
-                                <a:schemeClr val="bg1"/>
-                              </a:solidFill>
-                              <a:latin typeface="Cambria Math" panose="02040503050406030204" pitchFamily="18" charset="0"/>
-                            </a:rPr>
-                            <m:t>,</m:t>
-                          </m:r>
-                          <m:f>
-                            <m:fPr>
-                              <m:ctrlPr>
-                                <a:rPr lang="en-US" b="0" i="1" smtClean="0">
-                                  <a:solidFill>
-                                    <a:schemeClr val="bg1"/>
-                                  </a:solidFill>
-                                  <a:latin typeface="Cambria Math" panose="02040503050406030204" pitchFamily="18" charset="0"/>
-                                </a:rPr>
-                              </m:ctrlPr>
-                            </m:fPr>
-                            <m:num>
-                              <m:r>
-                                <a:rPr lang="en-US" b="0" i="1" smtClean="0">
-                                  <a:solidFill>
-                                    <a:schemeClr val="bg1"/>
-                                  </a:solidFill>
-                                  <a:latin typeface="Cambria Math" panose="02040503050406030204" pitchFamily="18" charset="0"/>
-                                </a:rPr>
-                                <m:t>𝑏</m:t>
-                              </m:r>
-                            </m:num>
-                            <m:den>
-                              <m:r>
-                                <a:rPr lang="en-US" b="0" i="1" smtClean="0">
-                                  <a:solidFill>
-                                    <a:schemeClr val="bg1"/>
-                                  </a:solidFill>
-                                  <a:latin typeface="Cambria Math" panose="02040503050406030204" pitchFamily="18" charset="0"/>
-                                </a:rPr>
-                                <m:t>𝑏</m:t>
-                              </m:r>
-                            </m:den>
-                          </m:f>
-                        </m:e>
-                      </m:d>
-                      <m:r>
-                        <a:rPr lang="en-US" b="0" i="1" smtClean="0">
-                          <a:solidFill>
-                            <a:schemeClr val="bg1"/>
-                          </a:solidFill>
-                          <a:latin typeface="Cambria Math" panose="02040503050406030204" pitchFamily="18" charset="0"/>
-                        </a:rPr>
-                        <m:t>+2∗</m:t>
-                      </m:r>
-                      <m:func>
-                        <m:funcPr>
-                          <m:ctrlPr>
-                            <a:rPr lang="en-US" b="0" i="1" smtClean="0">
-                              <a:solidFill>
-                                <a:schemeClr val="bg1"/>
-                              </a:solidFill>
-                              <a:latin typeface="Cambria Math" panose="02040503050406030204" pitchFamily="18" charset="0"/>
-                            </a:rPr>
-                          </m:ctrlPr>
-                        </m:funcPr>
-                        <m:fName>
-                          <m:r>
-                            <m:rPr>
-                              <m:sty m:val="p"/>
-                            </m:rPr>
-                            <a:rPr lang="en-US" b="0" i="0" smtClean="0">
-                              <a:solidFill>
-                                <a:schemeClr val="bg1"/>
-                              </a:solidFill>
-                              <a:latin typeface="Cambria Math" panose="02040503050406030204" pitchFamily="18" charset="0"/>
-                            </a:rPr>
-                            <m:t>log</m:t>
-                          </m:r>
-                        </m:fName>
-                        <m:e>
-                          <m:r>
-                            <a:rPr lang="en-US" b="0" i="1" smtClean="0">
-                              <a:solidFill>
-                                <a:schemeClr val="bg1"/>
-                              </a:solidFill>
-                              <a:latin typeface="Cambria Math" panose="02040503050406030204" pitchFamily="18" charset="0"/>
-                            </a:rPr>
-                            <m:t>𝑏</m:t>
-                          </m:r>
-                        </m:e>
-                      </m:func>
-                    </m:oMath>
-                  </m:oMathPara>
-                </a14:m>
-                <a:endParaRPr lang="en-US" dirty="0">
-                  <a:solidFill>
-                    <a:schemeClr val="bg1"/>
-                  </a:solidFill>
-                </a:endParaRPr>
-              </a:p>
-              <a:p>
-                <a:pPr/>
-                <a14:m>
-                  <m:oMathPara xmlns:m="http://schemas.openxmlformats.org/officeDocument/2006/math">
-                    <m:oMathParaPr>
-                      <m:jc m:val="centerGroup"/>
-                    </m:oMathParaPr>
-                    <m:oMath xmlns:m="http://schemas.openxmlformats.org/officeDocument/2006/math">
-                      <m:r>
-                        <a:rPr lang="en-US" b="0" i="1" smtClean="0">
-                          <a:solidFill>
-                            <a:schemeClr val="bg1"/>
-                          </a:solidFill>
-                          <a:latin typeface="Cambria Math" panose="02040503050406030204" pitchFamily="18" charset="0"/>
-                        </a:rPr>
-                        <m:t>≤</m:t>
-                      </m:r>
-                      <m:r>
-                        <a:rPr lang="en-US" b="0" i="1" smtClean="0">
-                          <a:solidFill>
-                            <a:schemeClr val="bg1"/>
-                          </a:solidFill>
-                          <a:latin typeface="Cambria Math" panose="02040503050406030204" pitchFamily="18" charset="0"/>
-                        </a:rPr>
-                        <m:t>𝑇</m:t>
-                      </m:r>
-                      <m:d>
-                        <m:dPr>
-                          <m:ctrlPr>
-                            <a:rPr lang="en-US" b="0" i="1" smtClean="0">
-                              <a:solidFill>
-                                <a:schemeClr val="bg1"/>
-                              </a:solidFill>
-                              <a:latin typeface="Cambria Math" panose="02040503050406030204" pitchFamily="18" charset="0"/>
-                            </a:rPr>
-                          </m:ctrlPr>
-                        </m:dPr>
-                        <m:e>
-                          <m:f>
-                            <m:fPr>
-                              <m:ctrlPr>
-                                <a:rPr lang="en-US" b="0" i="1" smtClean="0">
-                                  <a:solidFill>
-                                    <a:schemeClr val="bg1"/>
-                                  </a:solidFill>
-                                  <a:latin typeface="Cambria Math" panose="02040503050406030204" pitchFamily="18" charset="0"/>
-                                </a:rPr>
-                              </m:ctrlPr>
-                            </m:fPr>
-                            <m:num>
-                              <m:r>
-                                <a:rPr lang="en-US" b="0" i="1" smtClean="0">
-                                  <a:solidFill>
-                                    <a:schemeClr val="bg1"/>
-                                  </a:solidFill>
-                                  <a:latin typeface="Cambria Math" panose="02040503050406030204" pitchFamily="18" charset="0"/>
-                                </a:rPr>
-                                <m:t>𝑎</m:t>
-                              </m:r>
-                            </m:num>
-                            <m:den>
-                              <m:r>
-                                <a:rPr lang="en-US" b="0" i="1" smtClean="0">
-                                  <a:solidFill>
-                                    <a:schemeClr val="bg1"/>
-                                  </a:solidFill>
-                                  <a:latin typeface="Cambria Math" panose="02040503050406030204" pitchFamily="18" charset="0"/>
-                                </a:rPr>
-                                <m:t>𝑏</m:t>
-                              </m:r>
-                            </m:den>
-                          </m:f>
-                          <m:r>
-                            <a:rPr lang="en-US" b="0" i="1" smtClean="0">
-                              <a:solidFill>
-                                <a:schemeClr val="bg1"/>
-                              </a:solidFill>
-                              <a:latin typeface="Cambria Math" panose="02040503050406030204" pitchFamily="18" charset="0"/>
-                            </a:rPr>
-                            <m:t>,1</m:t>
-                          </m:r>
-                        </m:e>
-                      </m:d>
-                      <m:r>
-                        <a:rPr lang="en-US" b="0" i="1" smtClean="0">
-                          <a:solidFill>
-                            <a:schemeClr val="bg1"/>
-                          </a:solidFill>
-                          <a:latin typeface="Cambria Math" panose="02040503050406030204" pitchFamily="18" charset="0"/>
-                        </a:rPr>
-                        <m:t>+2 ∗</m:t>
-                      </m:r>
-                      <m:func>
-                        <m:funcPr>
-                          <m:ctrlPr>
-                            <a:rPr lang="en-US" b="0" i="1" smtClean="0">
-                              <a:solidFill>
-                                <a:schemeClr val="bg1"/>
-                              </a:solidFill>
-                              <a:latin typeface="Cambria Math" panose="02040503050406030204" pitchFamily="18" charset="0"/>
-                            </a:rPr>
-                          </m:ctrlPr>
-                        </m:funcPr>
-                        <m:fName>
-                          <m:r>
-                            <m:rPr>
-                              <m:sty m:val="p"/>
-                            </m:rPr>
-                            <a:rPr lang="en-US" b="0" i="0" smtClean="0">
-                              <a:solidFill>
-                                <a:schemeClr val="bg1"/>
-                              </a:solidFill>
-                              <a:latin typeface="Cambria Math" panose="02040503050406030204" pitchFamily="18" charset="0"/>
-                            </a:rPr>
-                            <m:t>log</m:t>
-                          </m:r>
-                        </m:fName>
-                        <m:e>
-                          <m:r>
-                            <a:rPr lang="en-US" b="0" i="1" smtClean="0">
-                              <a:solidFill>
-                                <a:schemeClr val="bg1"/>
-                              </a:solidFill>
-                              <a:latin typeface="Cambria Math" panose="02040503050406030204" pitchFamily="18" charset="0"/>
-                            </a:rPr>
-                            <m:t>𝑏</m:t>
-                          </m:r>
-                        </m:e>
-                      </m:func>
-                    </m:oMath>
-                  </m:oMathPara>
-                </a14:m>
-                <a:endParaRPr lang="en-US" b="0" dirty="0">
-                  <a:solidFill>
-                    <a:schemeClr val="bg1"/>
-                  </a:solidFill>
-                </a:endParaRPr>
-              </a:p>
-              <a:p>
-                <a:r>
-                  <a:rPr lang="en-US" dirty="0">
-                    <a:solidFill>
-                      <a:schemeClr val="bg1"/>
-                    </a:solidFill>
-                  </a:rPr>
-                  <a:t>We know from the base case that </a:t>
-                </a:r>
-                <a14:m>
-                  <m:oMath xmlns:m="http://schemas.openxmlformats.org/officeDocument/2006/math">
-                    <m:r>
-                      <a:rPr lang="en-US" b="0" i="1" smtClean="0">
-                        <a:solidFill>
-                          <a:schemeClr val="bg1"/>
-                        </a:solidFill>
-                        <a:latin typeface="Cambria Math" panose="02040503050406030204" pitchFamily="18" charset="0"/>
-                      </a:rPr>
-                      <m:t>𝑇</m:t>
-                    </m:r>
-                    <m:d>
-                      <m:dPr>
-                        <m:ctrlPr>
-                          <a:rPr lang="en-US" b="0" i="1" smtClean="0">
-                            <a:solidFill>
-                              <a:schemeClr val="bg1"/>
-                            </a:solidFill>
-                            <a:latin typeface="Cambria Math" panose="02040503050406030204" pitchFamily="18" charset="0"/>
-                          </a:rPr>
-                        </m:ctrlPr>
-                      </m:dPr>
-                      <m:e>
-                        <m:r>
-                          <a:rPr lang="en-US" b="0" i="1" smtClean="0">
-                            <a:solidFill>
-                              <a:schemeClr val="bg1"/>
-                            </a:solidFill>
-                            <a:latin typeface="Cambria Math" panose="02040503050406030204" pitchFamily="18" charset="0"/>
-                          </a:rPr>
-                          <m:t>𝑎</m:t>
-                        </m:r>
-                        <m:r>
-                          <a:rPr lang="en-US" b="0" i="1" smtClean="0">
-                            <a:solidFill>
-                              <a:schemeClr val="bg1"/>
-                            </a:solidFill>
-                            <a:latin typeface="Cambria Math" panose="02040503050406030204" pitchFamily="18" charset="0"/>
-                          </a:rPr>
-                          <m:t>,1</m:t>
-                        </m:r>
-                      </m:e>
-                    </m:d>
-                    <m:r>
-                      <a:rPr lang="en-US" b="0" i="1" smtClean="0">
-                        <a:solidFill>
-                          <a:schemeClr val="bg1"/>
-                        </a:solidFill>
-                        <a:latin typeface="Cambria Math" panose="02040503050406030204" pitchFamily="18" charset="0"/>
-                      </a:rPr>
-                      <m:t>=1  </m:t>
-                    </m:r>
-                  </m:oMath>
-                </a14:m>
-                <a:r>
-                  <a:rPr lang="en-US" b="0" i="1" dirty="0">
-                    <a:solidFill>
-                      <a:schemeClr val="bg1"/>
-                    </a:solidFill>
-                    <a:latin typeface="Cambria Math" panose="02040503050406030204" pitchFamily="18" charset="0"/>
-                  </a:rPr>
-                  <a:t>so from there we can deduce </a:t>
-                </a:r>
-                <a:r>
-                  <a:rPr lang="en-US" b="0" dirty="0">
-                    <a:solidFill>
-                      <a:schemeClr val="bg1"/>
-                    </a:solidFill>
-                    <a:latin typeface="Cambria Math" panose="02040503050406030204" pitchFamily="18" charset="0"/>
-                  </a:rPr>
-                  <a:t>:</a:t>
-                </a:r>
-                <a:endParaRPr lang="en-US" b="0" i="1" dirty="0">
-                  <a:solidFill>
-                    <a:schemeClr val="bg1"/>
-                  </a:solidFill>
-                  <a:latin typeface="Cambria Math" panose="02040503050406030204" pitchFamily="18" charset="0"/>
-                </a:endParaRPr>
-              </a:p>
-              <a:p>
-                <a:endParaRPr lang="en-US" b="0" dirty="0">
-                  <a:solidFill>
-                    <a:schemeClr val="bg1"/>
-                  </a:solidFill>
-                  <a:latin typeface="Cambria Math" panose="02040503050406030204" pitchFamily="18" charset="0"/>
-                </a:endParaRPr>
-              </a:p>
-              <a:p>
-                <a:pPr/>
-                <a14:m>
-                  <m:oMathPara xmlns:m="http://schemas.openxmlformats.org/officeDocument/2006/math">
-                    <m:oMathParaPr>
-                      <m:jc m:val="centerGroup"/>
-                    </m:oMathParaPr>
-                    <m:oMath xmlns:m="http://schemas.openxmlformats.org/officeDocument/2006/math">
-                      <m:r>
-                        <a:rPr lang="en-US" b="0" i="1" smtClean="0">
-                          <a:solidFill>
-                            <a:schemeClr val="bg1"/>
-                          </a:solidFill>
-                          <a:latin typeface="Cambria Math" panose="02040503050406030204" pitchFamily="18" charset="0"/>
-                        </a:rPr>
-                        <m:t>≤1+2∗</m:t>
-                      </m:r>
-                      <m:func>
-                        <m:funcPr>
-                          <m:ctrlPr>
-                            <a:rPr lang="en-US" b="0" i="1" smtClean="0">
-                              <a:solidFill>
-                                <a:schemeClr val="bg1"/>
-                              </a:solidFill>
-                              <a:latin typeface="Cambria Math" panose="02040503050406030204" pitchFamily="18" charset="0"/>
-                            </a:rPr>
-                          </m:ctrlPr>
-                        </m:funcPr>
-                        <m:fName>
-                          <m:r>
-                            <m:rPr>
-                              <m:sty m:val="p"/>
-                            </m:rPr>
-                            <a:rPr lang="en-US" b="0" i="0" smtClean="0">
-                              <a:solidFill>
-                                <a:schemeClr val="bg1"/>
-                              </a:solidFill>
-                              <a:latin typeface="Cambria Math" panose="02040503050406030204" pitchFamily="18" charset="0"/>
-                            </a:rPr>
-                            <m:t>log</m:t>
-                          </m:r>
-                        </m:fName>
-                        <m:e>
-                          <m:r>
-                            <a:rPr lang="en-US" b="0" i="1" smtClean="0">
-                              <a:solidFill>
-                                <a:schemeClr val="bg1"/>
-                              </a:solidFill>
-                              <a:latin typeface="Cambria Math" panose="02040503050406030204" pitchFamily="18" charset="0"/>
-                            </a:rPr>
-                            <m:t>𝑏</m:t>
-                          </m:r>
-                        </m:e>
-                      </m:func>
-                    </m:oMath>
-                  </m:oMathPara>
-                </a14:m>
-                <a:endParaRPr lang="en-US" b="0" dirty="0">
-                  <a:solidFill>
-                    <a:schemeClr val="bg1"/>
-                  </a:solidFill>
-                  <a:latin typeface="Cambria Math" panose="02040503050406030204" pitchFamily="18" charset="0"/>
-                </a:endParaRPr>
-              </a:p>
-              <a:p>
-                <a:pPr/>
-                <a14:m>
-                  <m:oMathPara xmlns:m="http://schemas.openxmlformats.org/officeDocument/2006/math">
-                    <m:oMathParaPr>
-                      <m:jc m:val="centerGroup"/>
-                    </m:oMathParaPr>
-                    <m:oMath xmlns:m="http://schemas.openxmlformats.org/officeDocument/2006/math">
-                      <m:r>
-                        <a:rPr lang="en-US" b="0" i="1" smtClean="0">
-                          <a:solidFill>
-                            <a:schemeClr val="bg1"/>
-                          </a:solidFill>
-                          <a:latin typeface="Cambria Math" panose="02040503050406030204" pitchFamily="18" charset="0"/>
-                        </a:rPr>
-                        <m:t>∈</m:t>
-                      </m:r>
-                      <m:r>
-                        <a:rPr lang="en-US" b="0" i="1" smtClean="0">
-                          <a:solidFill>
-                            <a:schemeClr val="bg1"/>
-                          </a:solidFill>
-                          <a:latin typeface="Cambria Math" panose="02040503050406030204" pitchFamily="18" charset="0"/>
-                        </a:rPr>
-                        <m:t>𝑂</m:t>
-                      </m:r>
-                      <m:r>
-                        <a:rPr lang="en-US" b="0" i="1" smtClean="0">
-                          <a:solidFill>
-                            <a:schemeClr val="bg1"/>
-                          </a:solidFill>
-                          <a:latin typeface="Cambria Math" panose="02040503050406030204" pitchFamily="18" charset="0"/>
-                        </a:rPr>
-                        <m:t>(</m:t>
-                      </m:r>
-                      <m:func>
-                        <m:funcPr>
-                          <m:ctrlPr>
-                            <a:rPr lang="en-US" b="0" i="1" smtClean="0">
-                              <a:solidFill>
-                                <a:schemeClr val="bg1"/>
-                              </a:solidFill>
-                              <a:latin typeface="Cambria Math" panose="02040503050406030204" pitchFamily="18" charset="0"/>
-                            </a:rPr>
-                          </m:ctrlPr>
-                        </m:funcPr>
-                        <m:fName>
-                          <m:r>
-                            <m:rPr>
-                              <m:sty m:val="p"/>
-                            </m:rPr>
-                            <a:rPr lang="en-US" b="0" i="0" smtClean="0">
-                              <a:solidFill>
-                                <a:schemeClr val="bg1"/>
-                              </a:solidFill>
-                              <a:latin typeface="Cambria Math" panose="02040503050406030204" pitchFamily="18" charset="0"/>
-                            </a:rPr>
-                            <m:t>log</m:t>
-                          </m:r>
-                        </m:fName>
-                        <m:e>
-                          <m:r>
-                            <a:rPr lang="en-US" b="0" i="1" smtClean="0">
-                              <a:solidFill>
-                                <a:schemeClr val="bg1"/>
-                              </a:solidFill>
-                              <a:latin typeface="Cambria Math" panose="02040503050406030204" pitchFamily="18" charset="0"/>
-                            </a:rPr>
-                            <m:t>𝑏</m:t>
-                          </m:r>
-                          <m:r>
-                            <a:rPr lang="en-US" b="0" i="1" smtClean="0">
-                              <a:solidFill>
-                                <a:schemeClr val="bg1"/>
-                              </a:solidFill>
-                              <a:latin typeface="Cambria Math" panose="02040503050406030204" pitchFamily="18" charset="0"/>
-                            </a:rPr>
-                            <m:t>)</m:t>
-                          </m:r>
-                        </m:e>
-                      </m:func>
-                    </m:oMath>
-                  </m:oMathPara>
-                </a14:m>
-                <a:endParaRPr lang="en-US" b="0" dirty="0">
-                  <a:latin typeface="Cambria Math" panose="02040503050406030204" pitchFamily="18" charset="0"/>
-                </a:endParaRPr>
-              </a:p>
-              <a:p>
-                <a14:m>
-                  <m:oMath xmlns:m="http://schemas.openxmlformats.org/officeDocument/2006/math">
-                    <m:r>
-                      <a:rPr lang="en-US" b="0" i="1" smtClean="0">
-                        <a:latin typeface="Cambria Math" panose="02040503050406030204" pitchFamily="18" charset="0"/>
-                      </a:rPr>
-                      <m:t> </m:t>
-                    </m:r>
-                  </m:oMath>
-                </a14:m>
-                <a:r>
-                  <a:rPr lang="en-US" dirty="0"/>
-                  <a:t> </a:t>
-                </a:r>
-              </a:p>
-            </p:txBody>
-          </p:sp>
-        </mc:Choice>
-        <mc:Fallback xmlns="">
-          <p:sp>
-            <p:nvSpPr>
-              <p:cNvPr id="2" name="TextBox 1">
-                <a:extLst>
-                  <a:ext uri="{FF2B5EF4-FFF2-40B4-BE49-F238E27FC236}">
-                    <a16:creationId xmlns:a16="http://schemas.microsoft.com/office/drawing/2014/main" id="{CE198839-D09C-DE8E-B061-46CC4B2C259C}"/>
-                  </a:ext>
-                </a:extLst>
-              </p:cNvPr>
-              <p:cNvSpPr txBox="1">
-                <a:spLocks noRot="1" noChangeAspect="1" noMove="1" noResize="1" noEditPoints="1" noAdjustHandles="1" noChangeArrowheads="1" noChangeShapeType="1" noTextEdit="1"/>
-              </p:cNvSpPr>
-              <p:nvPr/>
-            </p:nvSpPr>
-            <p:spPr>
-              <a:xfrm>
-                <a:off x="0" y="86265"/>
-                <a:ext cx="10420709" cy="3765839"/>
-              </a:xfrm>
-              <a:prstGeom prst="rect">
-                <a:avLst/>
-              </a:prstGeom>
-              <a:blipFill>
-                <a:blip r:embed="rId2"/>
-                <a:stretch>
-                  <a:fillRect l="-468" t="-971"/>
-                </a:stretch>
-              </a:blipFill>
-            </p:spPr>
-            <p:txBody>
-              <a:bodyPr/>
-              <a:lstStyle/>
-              <a:p>
-                <a:r>
-                  <a:rPr lang="en-US">
-                    <a:noFill/>
-                  </a:rPr>
-                  <a:t> </a:t>
-                </a:r>
-              </a:p>
-            </p:txBody>
-          </p:sp>
-        </mc:Fallback>
-      </mc:AlternateContent>
-    </p:spTree>
-    <p:extLst>
-      <p:ext uri="{BB962C8B-B14F-4D97-AF65-F5344CB8AC3E}">
-        <p14:creationId xmlns:p14="http://schemas.microsoft.com/office/powerpoint/2010/main" val="496193254"/>
-      </p:ext>
-    </p:extLst>
-  </p:cSld>
-  <p:clrMapOvr>
-    <a:masterClrMapping/>
-  </p:clrMapOvr>
-  <mc:AlternateContent xmlns:mc="http://schemas.openxmlformats.org/markup-compatibility/2006" xmlns:p14="http://schemas.microsoft.com/office/powerpoint/2010/main">
-    <mc:Choice Requires="p14">
-      <p:transition spd="slow" p14:dur="1500">
-        <p:split orient="vert"/>
-      </p:transition>
-    </mc:Choice>
-    <mc:Fallback xmlns="">
-      <p:transition spd="slow">
-        <p:split orient="vert"/>
-      </p:transition>
-    </mc:Fallback>
-  </mc:AlternateContent>
-  <p:timing>
-    <p:tnLst>
-      <p:par>
-        <p:cTn id="1" dur="indefinite" restart="never" nodeType="tmRoot">
-          <p:childTnLst>
-            <p:seq concurrent="1" nextAc="seek">
-              <p:cTn id="2" dur="indefinite" nodeType="mainSeq">
-                <p:childTnLst>
-                  <p:par>
-                    <p:cTn id="3" fill="hold">
-                      <p:stCondLst>
-                        <p:cond delay="indefinite"/>
-                        <p:cond evt="onBegin" delay="0">
-                          <p:tn val="2"/>
-                        </p:cond>
-                      </p:stCondLst>
-                      <p:childTnLst>
-                        <p:par>
-                          <p:cTn id="4" fill="hold">
-                            <p:stCondLst>
-                              <p:cond delay="0"/>
-                            </p:stCondLst>
-                            <p:childTnLst>
-                              <p:par>
-                                <p:cTn id="5" presetID="2" presetClass="entr" presetSubtype="4" fill="hold" nodeType="withEffect">
-                                  <p:stCondLst>
-                                    <p:cond delay="0"/>
-                                  </p:stCondLst>
-                                  <p:childTnLst>
-                                    <p:set>
-                                      <p:cBhvr>
-                                        <p:cTn id="6" dur="1" fill="hold">
-                                          <p:stCondLst>
-                                            <p:cond delay="0"/>
-                                          </p:stCondLst>
-                                        </p:cTn>
-                                        <p:tgtEl>
-                                          <p:spTgt spid="2">
-                                            <p:txEl>
-                                              <p:pRg st="0" end="0"/>
-                                            </p:txEl>
-                                          </p:spTgt>
-                                        </p:tgtEl>
-                                        <p:attrNameLst>
-                                          <p:attrName>style.visibility</p:attrName>
-                                        </p:attrNameLst>
-                                      </p:cBhvr>
-                                      <p:to>
-                                        <p:strVal val="visible"/>
-                                      </p:to>
-                                    </p:set>
-                                    <p:anim calcmode="lin" valueType="num">
-                                      <p:cBhvr additive="base">
-                                        <p:cTn id="7" dur="500" fill="hold"/>
-                                        <p:tgtEl>
-                                          <p:spTgt spid="2">
-                                            <p:txEl>
-                                              <p:pRg st="0" end="0"/>
-                                            </p:txEl>
-                                          </p:spTgt>
-                                        </p:tgtEl>
-                                        <p:attrNameLst>
-                                          <p:attrName>ppt_x</p:attrName>
-                                        </p:attrNameLst>
-                                      </p:cBhvr>
-                                      <p:tavLst>
-                                        <p:tav tm="0">
-                                          <p:val>
-                                            <p:strVal val="#ppt_x"/>
-                                          </p:val>
-                                        </p:tav>
-                                        <p:tav tm="100000">
-                                          <p:val>
-                                            <p:strVal val="#ppt_x"/>
-                                          </p:val>
-                                        </p:tav>
-                                      </p:tavLst>
-                                    </p:anim>
-                                    <p:anim calcmode="lin" valueType="num">
-                                      <p:cBhvr additive="base">
-                                        <p:cTn id="8" dur="500" fill="hold"/>
-                                        <p:tgtEl>
-                                          <p:spTgt spid="2">
-                                            <p:txEl>
-                                              <p:pRg st="0" end="0"/>
-                                            </p:txEl>
-                                          </p:spTgt>
-                                        </p:tgtEl>
-                                        <p:attrNameLst>
-                                          <p:attrName>ppt_y</p:attrName>
-                                        </p:attrNameLst>
-                                      </p:cBhvr>
-                                      <p:tavLst>
-                                        <p:tav tm="0">
-                                          <p:val>
-                                            <p:strVal val="1+#ppt_h/2"/>
-                                          </p:val>
-                                        </p:tav>
-                                        <p:tav tm="100000">
-                                          <p:val>
-                                            <p:strVal val="#ppt_y"/>
-                                          </p:val>
-                                        </p:tav>
-                                      </p:tavLst>
-                                    </p:anim>
-                                  </p:childTnLst>
-                                </p:cTn>
-                              </p:par>
-                              <p:par>
-                                <p:cTn id="9" presetID="2" presetClass="entr" presetSubtype="4" fill="hold" nodeType="withEffect">
-                                  <p:stCondLst>
-                                    <p:cond delay="0"/>
-                                  </p:stCondLst>
-                                  <p:childTnLst>
-                                    <p:set>
-                                      <p:cBhvr>
-                                        <p:cTn id="10" dur="1" fill="hold">
-                                          <p:stCondLst>
-                                            <p:cond delay="0"/>
-                                          </p:stCondLst>
-                                        </p:cTn>
-                                        <p:tgtEl>
-                                          <p:spTgt spid="2">
-                                            <p:txEl>
-                                              <p:pRg st="1" end="1"/>
-                                            </p:txEl>
-                                          </p:spTgt>
-                                        </p:tgtEl>
-                                        <p:attrNameLst>
-                                          <p:attrName>style.visibility</p:attrName>
-                                        </p:attrNameLst>
-                                      </p:cBhvr>
-                                      <p:to>
-                                        <p:strVal val="visible"/>
-                                      </p:to>
-                                    </p:set>
-                                    <p:anim calcmode="lin" valueType="num">
-                                      <p:cBhvr additive="base">
-                                        <p:cTn id="11" dur="500" fill="hold"/>
-                                        <p:tgtEl>
-                                          <p:spTgt spid="2">
-                                            <p:txEl>
-                                              <p:pRg st="1" end="1"/>
-                                            </p:txEl>
-                                          </p:spTgt>
-                                        </p:tgtEl>
-                                        <p:attrNameLst>
-                                          <p:attrName>ppt_x</p:attrName>
-                                        </p:attrNameLst>
-                                      </p:cBhvr>
-                                      <p:tavLst>
-                                        <p:tav tm="0">
-                                          <p:val>
-                                            <p:strVal val="#ppt_x"/>
-                                          </p:val>
-                                        </p:tav>
-                                        <p:tav tm="100000">
-                                          <p:val>
-                                            <p:strVal val="#ppt_x"/>
-                                          </p:val>
-                                        </p:tav>
-                                      </p:tavLst>
-                                    </p:anim>
-                                    <p:anim calcmode="lin" valueType="num">
-                                      <p:cBhvr additive="base">
-                                        <p:cTn id="12" dur="500" fill="hold"/>
-                                        <p:tgtEl>
-                                          <p:spTgt spid="2">
-                                            <p:txEl>
-                                              <p:pRg st="1" end="1"/>
-                                            </p:txEl>
-                                          </p:spTgt>
-                                        </p:tgtEl>
-                                        <p:attrNameLst>
-                                          <p:attrName>ppt_y</p:attrName>
-                                        </p:attrNameLst>
-                                      </p:cBhvr>
-                                      <p:tavLst>
-                                        <p:tav tm="0">
-                                          <p:val>
-                                            <p:strVal val="1+#ppt_h/2"/>
-                                          </p:val>
-                                        </p:tav>
-                                        <p:tav tm="100000">
-                                          <p:val>
-                                            <p:strVal val="#ppt_y"/>
-                                          </p:val>
-                                        </p:tav>
-                                      </p:tavLst>
-                                    </p:anim>
-                                  </p:childTnLst>
-                                </p:cTn>
-                              </p:par>
-                              <p:par>
-                                <p:cTn id="13" presetID="2" presetClass="entr" presetSubtype="4" fill="hold" nodeType="withEffect">
-                                  <p:stCondLst>
-                                    <p:cond delay="0"/>
-                                  </p:stCondLst>
-                                  <p:childTnLst>
-                                    <p:set>
-                                      <p:cBhvr>
-                                        <p:cTn id="14" dur="1" fill="hold">
-                                          <p:stCondLst>
-                                            <p:cond delay="0"/>
-                                          </p:stCondLst>
-                                        </p:cTn>
-                                        <p:tgtEl>
-                                          <p:spTgt spid="2">
-                                            <p:txEl>
-                                              <p:pRg st="3" end="3"/>
-                                            </p:txEl>
-                                          </p:spTgt>
-                                        </p:tgtEl>
-                                        <p:attrNameLst>
-                                          <p:attrName>style.visibility</p:attrName>
-                                        </p:attrNameLst>
-                                      </p:cBhvr>
-                                      <p:to>
-                                        <p:strVal val="visible"/>
-                                      </p:to>
-                                    </p:set>
-                                    <p:anim calcmode="lin" valueType="num">
-                                      <p:cBhvr additive="base">
-                                        <p:cTn id="15" dur="500" fill="hold"/>
-                                        <p:tgtEl>
-                                          <p:spTgt spid="2">
-                                            <p:txEl>
-                                              <p:pRg st="3" end="3"/>
-                                            </p:txEl>
-                                          </p:spTgt>
-                                        </p:tgtEl>
-                                        <p:attrNameLst>
-                                          <p:attrName>ppt_x</p:attrName>
-                                        </p:attrNameLst>
-                                      </p:cBhvr>
-                                      <p:tavLst>
-                                        <p:tav tm="0">
-                                          <p:val>
-                                            <p:strVal val="#ppt_x"/>
-                                          </p:val>
-                                        </p:tav>
-                                        <p:tav tm="100000">
-                                          <p:val>
-                                            <p:strVal val="#ppt_x"/>
-                                          </p:val>
-                                        </p:tav>
-                                      </p:tavLst>
-                                    </p:anim>
-                                    <p:anim calcmode="lin" valueType="num">
-                                      <p:cBhvr additive="base">
-                                        <p:cTn id="16" dur="500" fill="hold"/>
-                                        <p:tgtEl>
-                                          <p:spTgt spid="2">
-                                            <p:txEl>
-                                              <p:pRg st="3" end="3"/>
-                                            </p:txEl>
-                                          </p:spTgt>
-                                        </p:tgtEl>
-                                        <p:attrNameLst>
-                                          <p:attrName>ppt_y</p:attrName>
-                                        </p:attrNameLst>
-                                      </p:cBhvr>
-                                      <p:tavLst>
-                                        <p:tav tm="0">
-                                          <p:val>
-                                            <p:strVal val="1+#ppt_h/2"/>
-                                          </p:val>
-                                        </p:tav>
-                                        <p:tav tm="100000">
-                                          <p:val>
-                                            <p:strVal val="#ppt_y"/>
-                                          </p:val>
-                                        </p:tav>
-                                      </p:tavLst>
-                                    </p:anim>
-                                  </p:childTnLst>
-                                </p:cTn>
-                              </p:par>
-                              <p:par>
-                                <p:cTn id="17" presetID="2" presetClass="entr" presetSubtype="4" fill="hold" nodeType="withEffect">
-                                  <p:stCondLst>
-                                    <p:cond delay="0"/>
-                                  </p:stCondLst>
-                                  <p:childTnLst>
-                                    <p:set>
-                                      <p:cBhvr>
-                                        <p:cTn id="18" dur="1" fill="hold">
-                                          <p:stCondLst>
-                                            <p:cond delay="0"/>
-                                          </p:stCondLst>
-                                        </p:cTn>
-                                        <p:tgtEl>
-                                          <p:spTgt spid="2">
-                                            <p:txEl>
-                                              <p:pRg st="4" end="4"/>
-                                            </p:txEl>
-                                          </p:spTgt>
-                                        </p:tgtEl>
-                                        <p:attrNameLst>
-                                          <p:attrName>style.visibility</p:attrName>
-                                        </p:attrNameLst>
-                                      </p:cBhvr>
-                                      <p:to>
-                                        <p:strVal val="visible"/>
-                                      </p:to>
-                                    </p:set>
-                                    <p:anim calcmode="lin" valueType="num">
-                                      <p:cBhvr additive="base">
-                                        <p:cTn id="19" dur="500" fill="hold"/>
-                                        <p:tgtEl>
-                                          <p:spTgt spid="2">
-                                            <p:txEl>
-                                              <p:pRg st="4" end="4"/>
-                                            </p:txEl>
-                                          </p:spTgt>
-                                        </p:tgtEl>
-                                        <p:attrNameLst>
-                                          <p:attrName>ppt_x</p:attrName>
-                                        </p:attrNameLst>
-                                      </p:cBhvr>
-                                      <p:tavLst>
-                                        <p:tav tm="0">
-                                          <p:val>
-                                            <p:strVal val="#ppt_x"/>
-                                          </p:val>
-                                        </p:tav>
-                                        <p:tav tm="100000">
-                                          <p:val>
-                                            <p:strVal val="#ppt_x"/>
-                                          </p:val>
-                                        </p:tav>
-                                      </p:tavLst>
-                                    </p:anim>
-                                    <p:anim calcmode="lin" valueType="num">
-                                      <p:cBhvr additive="base">
-                                        <p:cTn id="20" dur="500" fill="hold"/>
-                                        <p:tgtEl>
-                                          <p:spTgt spid="2">
-                                            <p:txEl>
-                                              <p:pRg st="4" end="4"/>
-                                            </p:txEl>
-                                          </p:spTgt>
-                                        </p:tgtEl>
-                                        <p:attrNameLst>
-                                          <p:attrName>ppt_y</p:attrName>
-                                        </p:attrNameLst>
-                                      </p:cBhvr>
-                                      <p:tavLst>
-                                        <p:tav tm="0">
-                                          <p:val>
-                                            <p:strVal val="1+#ppt_h/2"/>
-                                          </p:val>
-                                        </p:tav>
-                                        <p:tav tm="100000">
-                                          <p:val>
-                                            <p:strVal val="#ppt_y"/>
-                                          </p:val>
-                                        </p:tav>
-                                      </p:tavLst>
-                                    </p:anim>
-                                  </p:childTnLst>
-                                </p:cTn>
-                              </p:par>
-                              <p:par>
-                                <p:cTn id="21" presetID="2" presetClass="entr" presetSubtype="4" fill="hold" nodeType="withEffect">
-                                  <p:stCondLst>
-                                    <p:cond delay="0"/>
-                                  </p:stCondLst>
-                                  <p:childTnLst>
-                                    <p:set>
-                                      <p:cBhvr>
-                                        <p:cTn id="22" dur="1" fill="hold">
-                                          <p:stCondLst>
-                                            <p:cond delay="0"/>
-                                          </p:stCondLst>
-                                        </p:cTn>
-                                        <p:tgtEl>
-                                          <p:spTgt spid="2">
-                                            <p:txEl>
-                                              <p:pRg st="5" end="5"/>
-                                            </p:txEl>
-                                          </p:spTgt>
-                                        </p:tgtEl>
-                                        <p:attrNameLst>
-                                          <p:attrName>style.visibility</p:attrName>
-                                        </p:attrNameLst>
-                                      </p:cBhvr>
-                                      <p:to>
-                                        <p:strVal val="visible"/>
-                                      </p:to>
-                                    </p:set>
-                                    <p:anim calcmode="lin" valueType="num">
-                                      <p:cBhvr additive="base">
-                                        <p:cTn id="23" dur="500" fill="hold"/>
-                                        <p:tgtEl>
-                                          <p:spTgt spid="2">
-                                            <p:txEl>
-                                              <p:pRg st="5" end="5"/>
-                                            </p:txEl>
-                                          </p:spTgt>
-                                        </p:tgtEl>
-                                        <p:attrNameLst>
-                                          <p:attrName>ppt_x</p:attrName>
-                                        </p:attrNameLst>
-                                      </p:cBhvr>
-                                      <p:tavLst>
-                                        <p:tav tm="0">
-                                          <p:val>
-                                            <p:strVal val="#ppt_x"/>
-                                          </p:val>
-                                        </p:tav>
-                                        <p:tav tm="100000">
-                                          <p:val>
-                                            <p:strVal val="#ppt_x"/>
-                                          </p:val>
-                                        </p:tav>
-                                      </p:tavLst>
-                                    </p:anim>
-                                    <p:anim calcmode="lin" valueType="num">
-                                      <p:cBhvr additive="base">
-                                        <p:cTn id="24" dur="500" fill="hold"/>
-                                        <p:tgtEl>
-                                          <p:spTgt spid="2">
-                                            <p:txEl>
-                                              <p:pRg st="5" end="5"/>
-                                            </p:txEl>
-                                          </p:spTgt>
-                                        </p:tgtEl>
-                                        <p:attrNameLst>
-                                          <p:attrName>ppt_y</p:attrName>
-                                        </p:attrNameLst>
-                                      </p:cBhvr>
-                                      <p:tavLst>
-                                        <p:tav tm="0">
-                                          <p:val>
-                                            <p:strVal val="1+#ppt_h/2"/>
-                                          </p:val>
-                                        </p:tav>
-                                        <p:tav tm="100000">
-                                          <p:val>
-                                            <p:strVal val="#ppt_y"/>
-                                          </p:val>
-                                        </p:tav>
-                                      </p:tavLst>
-                                    </p:anim>
-                                  </p:childTnLst>
-                                </p:cTn>
-                              </p:par>
-                              <p:par>
-                                <p:cTn id="25" presetID="2" presetClass="entr" presetSubtype="4" fill="hold" nodeType="withEffect">
-                                  <p:stCondLst>
-                                    <p:cond delay="0"/>
-                                  </p:stCondLst>
-                                  <p:childTnLst>
-                                    <p:set>
-                                      <p:cBhvr>
-                                        <p:cTn id="26" dur="1" fill="hold">
-                                          <p:stCondLst>
-                                            <p:cond delay="0"/>
-                                          </p:stCondLst>
-                                        </p:cTn>
-                                        <p:tgtEl>
-                                          <p:spTgt spid="2">
-                                            <p:txEl>
-                                              <p:pRg st="7" end="7"/>
-                                            </p:txEl>
-                                          </p:spTgt>
-                                        </p:tgtEl>
-                                        <p:attrNameLst>
-                                          <p:attrName>style.visibility</p:attrName>
-                                        </p:attrNameLst>
-                                      </p:cBhvr>
-                                      <p:to>
-                                        <p:strVal val="visible"/>
-                                      </p:to>
-                                    </p:set>
-                                    <p:anim calcmode="lin" valueType="num">
-                                      <p:cBhvr additive="base">
-                                        <p:cTn id="27" dur="500" fill="hold"/>
-                                        <p:tgtEl>
-                                          <p:spTgt spid="2">
-                                            <p:txEl>
-                                              <p:pRg st="7" end="7"/>
-                                            </p:txEl>
-                                          </p:spTgt>
-                                        </p:tgtEl>
-                                        <p:attrNameLst>
-                                          <p:attrName>ppt_x</p:attrName>
-                                        </p:attrNameLst>
-                                      </p:cBhvr>
-                                      <p:tavLst>
-                                        <p:tav tm="0">
-                                          <p:val>
-                                            <p:strVal val="#ppt_x"/>
-                                          </p:val>
-                                        </p:tav>
-                                        <p:tav tm="100000">
-                                          <p:val>
-                                            <p:strVal val="#ppt_x"/>
-                                          </p:val>
-                                        </p:tav>
-                                      </p:tavLst>
-                                    </p:anim>
-                                    <p:anim calcmode="lin" valueType="num">
-                                      <p:cBhvr additive="base">
-                                        <p:cTn id="28" dur="500" fill="hold"/>
-                                        <p:tgtEl>
-                                          <p:spTgt spid="2">
-                                            <p:txEl>
-                                              <p:pRg st="7" end="7"/>
-                                            </p:txEl>
-                                          </p:spTgt>
-                                        </p:tgtEl>
-                                        <p:attrNameLst>
-                                          <p:attrName>ppt_y</p:attrName>
-                                        </p:attrNameLst>
-                                      </p:cBhvr>
-                                      <p:tavLst>
-                                        <p:tav tm="0">
-                                          <p:val>
-                                            <p:strVal val="1+#ppt_h/2"/>
-                                          </p:val>
-                                        </p:tav>
-                                        <p:tav tm="100000">
-                                          <p:val>
-                                            <p:strVal val="#ppt_y"/>
-                                          </p:val>
-                                        </p:tav>
-                                      </p:tavLst>
-                                    </p:anim>
-                                  </p:childTnLst>
-                                </p:cTn>
-                              </p:par>
-                              <p:par>
-                                <p:cTn id="29" presetID="2" presetClass="entr" presetSubtype="4" fill="hold" nodeType="withEffect">
-                                  <p:stCondLst>
-                                    <p:cond delay="0"/>
-                                  </p:stCondLst>
-                                  <p:childTnLst>
-                                    <p:set>
-                                      <p:cBhvr>
-                                        <p:cTn id="30" dur="1" fill="hold">
-                                          <p:stCondLst>
-                                            <p:cond delay="0"/>
-                                          </p:stCondLst>
-                                        </p:cTn>
-                                        <p:tgtEl>
-                                          <p:spTgt spid="2">
-                                            <p:txEl>
-                                              <p:pRg st="8" end="8"/>
-                                            </p:txEl>
-                                          </p:spTgt>
-                                        </p:tgtEl>
-                                        <p:attrNameLst>
-                                          <p:attrName>style.visibility</p:attrName>
-                                        </p:attrNameLst>
-                                      </p:cBhvr>
-                                      <p:to>
-                                        <p:strVal val="visible"/>
-                                      </p:to>
-                                    </p:set>
-                                    <p:anim calcmode="lin" valueType="num">
-                                      <p:cBhvr additive="base">
-                                        <p:cTn id="31" dur="500" fill="hold"/>
-                                        <p:tgtEl>
-                                          <p:spTgt spid="2">
-                                            <p:txEl>
-                                              <p:pRg st="8" end="8"/>
-                                            </p:txEl>
-                                          </p:spTgt>
-                                        </p:tgtEl>
-                                        <p:attrNameLst>
-                                          <p:attrName>ppt_x</p:attrName>
-                                        </p:attrNameLst>
-                                      </p:cBhvr>
-                                      <p:tavLst>
-                                        <p:tav tm="0">
-                                          <p:val>
-                                            <p:strVal val="#ppt_x"/>
-                                          </p:val>
-                                        </p:tav>
-                                        <p:tav tm="100000">
-                                          <p:val>
-                                            <p:strVal val="#ppt_x"/>
-                                          </p:val>
-                                        </p:tav>
-                                      </p:tavLst>
-                                    </p:anim>
-                                    <p:anim calcmode="lin" valueType="num">
-                                      <p:cBhvr additive="base">
-                                        <p:cTn id="32" dur="500" fill="hold"/>
-                                        <p:tgtEl>
-                                          <p:spTgt spid="2">
-                                            <p:txEl>
-                                              <p:pRg st="8" end="8"/>
-                                            </p:txEl>
-                                          </p:spTgt>
-                                        </p:tgtEl>
-                                        <p:attrNameLst>
-                                          <p:attrName>ppt_y</p:attrName>
-                                        </p:attrNameLst>
-                                      </p:cBhvr>
-                                      <p:tavLst>
-                                        <p:tav tm="0">
-                                          <p:val>
-                                            <p:strVal val="1+#ppt_h/2"/>
-                                          </p:val>
-                                        </p:tav>
-                                        <p:tav tm="100000">
-                                          <p:val>
-                                            <p:strVal val="#ppt_y"/>
-                                          </p:val>
-                                        </p:tav>
-                                      </p:tavLst>
-                                    </p:anim>
-                                  </p:childTnLst>
-                                </p:cTn>
-                              </p:par>
-                              <p:par>
-                                <p:cTn id="33" presetID="2" presetClass="entr" presetSubtype="4" fill="hold" nodeType="withEffect">
-                                  <p:stCondLst>
-                                    <p:cond delay="0"/>
-                                  </p:stCondLst>
-                                  <p:childTnLst>
-                                    <p:set>
-                                      <p:cBhvr>
-                                        <p:cTn id="34" dur="1" fill="hold">
-                                          <p:stCondLst>
-                                            <p:cond delay="0"/>
-                                          </p:stCondLst>
-                                        </p:cTn>
-                                        <p:tgtEl>
-                                          <p:spTgt spid="2">
-                                            <p:txEl>
-                                              <p:pRg st="9" end="9"/>
-                                            </p:txEl>
-                                          </p:spTgt>
-                                        </p:tgtEl>
-                                        <p:attrNameLst>
-                                          <p:attrName>style.visibility</p:attrName>
-                                        </p:attrNameLst>
-                                      </p:cBhvr>
-                                      <p:to>
-                                        <p:strVal val="visible"/>
-                                      </p:to>
-                                    </p:set>
-                                    <p:anim calcmode="lin" valueType="num">
-                                      <p:cBhvr additive="base">
-                                        <p:cTn id="35" dur="500" fill="hold"/>
-                                        <p:tgtEl>
-                                          <p:spTgt spid="2">
-                                            <p:txEl>
-                                              <p:pRg st="9" end="9"/>
-                                            </p:txEl>
-                                          </p:spTgt>
-                                        </p:tgtEl>
-                                        <p:attrNameLst>
-                                          <p:attrName>ppt_x</p:attrName>
-                                        </p:attrNameLst>
-                                      </p:cBhvr>
-                                      <p:tavLst>
-                                        <p:tav tm="0">
-                                          <p:val>
-                                            <p:strVal val="#ppt_x"/>
-                                          </p:val>
-                                        </p:tav>
-                                        <p:tav tm="100000">
-                                          <p:val>
-                                            <p:strVal val="#ppt_x"/>
-                                          </p:val>
-                                        </p:tav>
-                                      </p:tavLst>
-                                    </p:anim>
-                                    <p:anim calcmode="lin" valueType="num">
-                                      <p:cBhvr additive="base">
-                                        <p:cTn id="36" dur="500" fill="hold"/>
-                                        <p:tgtEl>
-                                          <p:spTgt spid="2">
-                                            <p:txEl>
-                                              <p:pRg st="9" end="9"/>
-                                            </p:txEl>
-                                          </p:spTgt>
-                                        </p:tgtEl>
-                                        <p:attrNameLst>
-                                          <p:attrName>ppt_y</p:attrName>
-                                        </p:attrNameLst>
-                                      </p:cBhvr>
-                                      <p:tavLst>
-                                        <p:tav tm="0">
-                                          <p:val>
-                                            <p:strVal val="1+#ppt_h/2"/>
-                                          </p:val>
-                                        </p:tav>
-                                        <p:tav tm="100000">
-                                          <p:val>
-                                            <p:strVal val="#ppt_y"/>
-                                          </p:val>
-                                        </p:tav>
-                                      </p:tavLst>
-                                    </p:anim>
-                                  </p:childTnLst>
-                                </p:cTn>
-                              </p:par>
-                            </p:childTnLst>
-                          </p:cTn>
-                        </p:par>
-                      </p:childTnLst>
-                    </p:cTn>
-                  </p:par>
-                </p:childTnLst>
-              </p:cTn>
-              <p:prevCondLst>
-                <p:cond evt="onPrev" delay="0">
-                  <p:tgtEl>
-                    <p:sldTgt/>
-                  </p:tgtEl>
-                </p:cond>
-              </p:prevCondLst>
-              <p:nextCondLst>
-                <p:cond evt="onNext" delay="0">
-                  <p:tgtEl>
-                    <p:sldTgt/>
-                  </p:tgtEl>
-                </p:cond>
-              </p:nextCondLst>
-            </p:seq>
-          </p:childTnLst>
-        </p:cTn>
-      </p:par>
-    </p:tnLst>
-  </p:timing>
-</p:sld>
-</file>
-
 <file path=ppt/theme/theme1.xml><?xml version="1.0" encoding="utf-8"?>
 <a:theme xmlns:a="http://schemas.openxmlformats.org/drawingml/2006/main" name="Berlin">
   <a:themeElements>
